--- a/resume.pptx
+++ b/resume.pptx
@@ -113,7 +113,7 @@
             <a:srgbClr val="A4A3A4"/>
           </p15:clr>
         </p15:guide>
-        <p15:guide id="2" pos="2178" userDrawn="1">
+        <p15:guide id="2" pos="2158" userDrawn="1">
           <p15:clr>
             <a:srgbClr val="A4A3A4"/>
           </p15:clr>
@@ -5363,10 +5363,10 @@
         </p:nvGrpSpPr>
         <p:grpSpPr>
           <a:xfrm rot="0">
-            <a:off x="347143" y="795020"/>
-            <a:ext cx="5774690" cy="1154993"/>
-            <a:chOff x="331041" y="812105"/>
-            <a:chExt cx="5774484" cy="1154903"/>
+            <a:off x="348413" y="795020"/>
+            <a:ext cx="5773420" cy="1153723"/>
+            <a:chOff x="332311" y="812105"/>
+            <a:chExt cx="5773214" cy="1153633"/>
           </a:xfrm>
         </p:grpSpPr>
         <p:sp>
@@ -5453,7 +5453,7 @@
           </p:nvSpPr>
           <p:spPr>
             <a:xfrm>
-              <a:off x="331041" y="1045060"/>
+              <a:off x="332311" y="1043790"/>
               <a:ext cx="4470241" cy="921948"/>
             </a:xfrm>
             <a:prstGeom prst="rect">
@@ -5826,8 +5826,8 @@
         </p:nvSpPr>
         <p:spPr>
           <a:xfrm>
-            <a:off x="2724388" y="363107"/>
-            <a:ext cx="1351652" cy="276999"/>
+            <a:off x="2957302" y="363107"/>
+            <a:ext cx="885825" cy="275590"/>
           </a:xfrm>
           <a:prstGeom prst="rect">
             <a:avLst/>
@@ -5846,7 +5846,14 @@
                 <a:latin typeface="微软雅黑" panose="020B0503020204020204" pitchFamily="34" charset="-122"/>
                 <a:ea typeface="微软雅黑" panose="020B0503020204020204" pitchFamily="34" charset="-122"/>
               </a:rPr>
-              <a:t>Tiangou Zhang</a:t>
+              <a:t>Yihui </a:t>
+            </a:r>
+            <a:r>
+              <a:rPr lang="en-US" altLang="zh-CN" sz="1200" b="1">
+                <a:latin typeface="微软雅黑" panose="020B0503020204020204" pitchFamily="34" charset="-122"/>
+                <a:ea typeface="微软雅黑" panose="020B0503020204020204" pitchFamily="34" charset="-122"/>
+              </a:rPr>
+              <a:t>Yan</a:t>
             </a:r>
             <a:endParaRPr lang="en-US" altLang="zh-CN" sz="1200" b="1">
               <a:latin typeface="微软雅黑" panose="020B0503020204020204" pitchFamily="34" charset="-122"/>
@@ -5863,10 +5870,10 @@
         </p:nvGrpSpPr>
         <p:grpSpPr>
           <a:xfrm>
-            <a:off x="323038" y="708153"/>
-            <a:ext cx="6135767" cy="1383977"/>
-            <a:chOff x="327035" y="487080"/>
-            <a:chExt cx="6135767" cy="1383977"/>
+            <a:off x="323038" y="752590"/>
+            <a:ext cx="5774484" cy="947330"/>
+            <a:chOff x="327035" y="531517"/>
+            <a:chExt cx="5774484" cy="947330"/>
           </a:xfrm>
         </p:grpSpPr>
         <p:sp>
@@ -5954,7 +5961,7 @@
           <p:spPr>
             <a:xfrm>
               <a:off x="327035" y="764472"/>
-              <a:ext cx="5751896" cy="1106585"/>
+              <a:ext cx="4773930" cy="714375"/>
             </a:xfrm>
             <a:prstGeom prst="rect">
               <a:avLst/>
@@ -5967,7 +5974,7 @@
             </a:bodyPr>
             <a:lstStyle/>
             <a:p>
-              <a:pPr>
+              <a:pPr algn="l">
                 <a:lnSpc>
                   <a:spcPct val="150000"/>
                 </a:lnSpc>
@@ -5977,7 +5984,7 @@
                   <a:latin typeface="微软雅黑" panose="020B0503020204020204" pitchFamily="34" charset="-122"/>
                   <a:ea typeface="微软雅黑" panose="020B0503020204020204" pitchFamily="34" charset="-122"/>
                 </a:rPr>
-                <a:t>Male	Age 19</a:t>
+                <a:t>Female	Age 23			Personal homepage: https://github.com/ElenaHUI</a:t>
               </a:r>
               <a:r>
                 <a:rPr lang="zh-CN" altLang="en-US" sz="900">
@@ -5992,7 +5999,7 @@
               </a:endParaRPr>
             </a:p>
             <a:p>
-              <a:pPr>
+              <a:pPr algn="l">
                 <a:lnSpc>
                   <a:spcPct val="150000"/>
                 </a:lnSpc>
@@ -6016,7 +6023,7 @@
                   <a:latin typeface="微软雅黑" panose="020B0503020204020204" pitchFamily="34" charset="-122"/>
                   <a:ea typeface="微软雅黑" panose="020B0503020204020204" pitchFamily="34" charset="-122"/>
                 </a:rPr>
-                <a:t>123-4567-8900		E-mail</a:t>
+                <a:t>18035181760	E-mail</a:t>
               </a:r>
               <a:r>
                 <a:rPr lang="zh-CN" altLang="en-US" sz="900">
@@ -6029,8 +6036,9 @@
                 <a:rPr lang="en-US" altLang="zh-CN" sz="900">
                   <a:latin typeface="微软雅黑" panose="020B0503020204020204" pitchFamily="34" charset="-122"/>
                   <a:ea typeface="微软雅黑" panose="020B0503020204020204" pitchFamily="34" charset="-122"/>
-                </a:rPr>
-                <a:t>tiangou@std.uestc.edu.cn</a:t>
+                  <a:sym typeface="+mn-ea"/>
+                </a:rPr>
+                <a:t>1753199938@qq.com</a:t>
               </a:r>
               <a:endParaRPr lang="en-US" altLang="zh-CN" sz="900">
                 <a:latin typeface="微软雅黑" panose="020B0503020204020204" pitchFamily="34" charset="-122"/>
@@ -6038,131 +6046,11 @@
               </a:endParaRPr>
             </a:p>
             <a:p>
-              <a:pPr>
+              <a:pPr algn="l">
                 <a:lnSpc>
                   <a:spcPct val="150000"/>
                 </a:lnSpc>
               </a:pPr>
-              <a:r>
-                <a:rPr lang="en-US" altLang="zh-CN" sz="900" b="1">
-                  <a:latin typeface="微软雅黑" panose="020B0503020204020204" pitchFamily="34" charset="-122"/>
-                  <a:ea typeface="微软雅黑" panose="020B0503020204020204" pitchFamily="34" charset="-122"/>
-                </a:rPr>
-                <a:t>University of Electronic Science and Technology of China (UESTC)</a:t>
-              </a:r>
-              <a:r>
-                <a:rPr lang="zh-CN" altLang="en-US" sz="900" b="1">
-                  <a:latin typeface="微软雅黑" panose="020B0503020204020204" pitchFamily="34" charset="-122"/>
-                  <a:ea typeface="微软雅黑" panose="020B0503020204020204" pitchFamily="34" charset="-122"/>
-                </a:rPr>
-                <a:t> </a:t>
-              </a:r>
-              <a:r>
-                <a:rPr lang="en-US" altLang="zh-CN" sz="900">
-                  <a:latin typeface="微软雅黑" panose="020B0503020204020204" pitchFamily="34" charset="-122"/>
-                  <a:ea typeface="微软雅黑" panose="020B0503020204020204" pitchFamily="34" charset="-122"/>
-                </a:rPr>
-                <a:t>(2018-2022)</a:t>
-              </a:r>
-              <a:endParaRPr lang="en-US" altLang="zh-CN" sz="900">
-                <a:latin typeface="微软雅黑" panose="020B0503020204020204" pitchFamily="34" charset="-122"/>
-                <a:ea typeface="微软雅黑" panose="020B0503020204020204" pitchFamily="34" charset="-122"/>
-              </a:endParaRPr>
-            </a:p>
-            <a:p>
-              <a:pPr>
-                <a:lnSpc>
-                  <a:spcPct val="150000"/>
-                </a:lnSpc>
-              </a:pPr>
-              <a:r>
-                <a:rPr lang="en-US" altLang="zh-CN" sz="900" b="1">
-                  <a:latin typeface="微软雅黑" panose="020B0503020204020204" pitchFamily="34" charset="-122"/>
-                  <a:ea typeface="微软雅黑" panose="020B0503020204020204" pitchFamily="34" charset="-122"/>
-                </a:rPr>
-                <a:t>School of Computer Science and Engineering - Computer Science and Technology</a:t>
-              </a:r>
-              <a:endParaRPr lang="en-US" altLang="zh-CN" sz="900" b="1">
-                <a:latin typeface="微软雅黑" panose="020B0503020204020204" pitchFamily="34" charset="-122"/>
-                <a:ea typeface="微软雅黑" panose="020B0503020204020204" pitchFamily="34" charset="-122"/>
-              </a:endParaRPr>
-            </a:p>
-            <a:p>
-              <a:pPr>
-                <a:lnSpc>
-                  <a:spcPct val="150000"/>
-                </a:lnSpc>
-              </a:pPr>
-              <a:r>
-                <a:rPr lang="en-US" altLang="zh-CN" sz="900">
-                  <a:latin typeface="微软雅黑" panose="020B0503020204020204" pitchFamily="34" charset="-122"/>
-                  <a:ea typeface="微软雅黑" panose="020B0503020204020204" pitchFamily="34" charset="-122"/>
-                </a:rPr>
-                <a:t>Weighted average </a:t>
-              </a:r>
-              <a:r>
-                <a:rPr lang="en-US" altLang="zh-CN" sz="900" b="1">
-                  <a:latin typeface="微软雅黑" panose="020B0503020204020204" pitchFamily="34" charset="-122"/>
-                  <a:ea typeface="微软雅黑" panose="020B0503020204020204" pitchFamily="34" charset="-122"/>
-                </a:rPr>
-                <a:t>94.63</a:t>
-              </a:r>
-              <a:r>
-                <a:rPr lang="en-US" altLang="zh-CN" sz="900">
-                  <a:latin typeface="微软雅黑" panose="020B0503020204020204" pitchFamily="34" charset="-122"/>
-                  <a:ea typeface="微软雅黑" panose="020B0503020204020204" pitchFamily="34" charset="-122"/>
-                </a:rPr>
-                <a:t>, GPA:</a:t>
-              </a:r>
-              <a:r>
-                <a:rPr lang="en-US" altLang="zh-CN" sz="900" b="1">
-                  <a:latin typeface="微软雅黑" panose="020B0503020204020204" pitchFamily="34" charset="-122"/>
-                  <a:ea typeface="微软雅黑" panose="020B0503020204020204" pitchFamily="34" charset="-122"/>
-                </a:rPr>
-                <a:t> 3.96/4</a:t>
-              </a:r>
-              <a:r>
-                <a:rPr lang="en-US" altLang="zh-CN" sz="900">
-                  <a:latin typeface="微软雅黑" panose="020B0503020204020204" pitchFamily="34" charset="-122"/>
-                  <a:ea typeface="微软雅黑" panose="020B0503020204020204" pitchFamily="34" charset="-122"/>
-                </a:rPr>
-                <a:t>, ranking </a:t>
-              </a:r>
-              <a:r>
-                <a:rPr lang="en-US" altLang="zh-CN" sz="900" b="1">
-                  <a:latin typeface="微软雅黑" panose="020B0503020204020204" pitchFamily="34" charset="-122"/>
-                  <a:ea typeface="微软雅黑" panose="020B0503020204020204" pitchFamily="34" charset="-122"/>
-                </a:rPr>
-                <a:t>1/713 (0.14%)</a:t>
-              </a:r>
-              <a:r>
-                <a:rPr lang="en-US" altLang="zh-CN" sz="900">
-                  <a:latin typeface="微软雅黑" panose="020B0503020204020204" pitchFamily="34" charset="-122"/>
-                  <a:ea typeface="微软雅黑" panose="020B0503020204020204" pitchFamily="34" charset="-122"/>
-                </a:rPr>
-                <a:t>;</a:t>
-              </a:r>
-              <a:r>
-                <a:rPr lang="zh-CN" altLang="en-US" sz="900">
-                  <a:latin typeface="微软雅黑" panose="020B0503020204020204" pitchFamily="34" charset="-122"/>
-                  <a:ea typeface="微软雅黑" panose="020B0503020204020204" pitchFamily="34" charset="-122"/>
-                </a:rPr>
-                <a:t> </a:t>
-              </a:r>
-              <a:r>
-                <a:rPr lang="en-US" altLang="zh-CN" sz="900">
-                  <a:latin typeface="微软雅黑" panose="020B0503020204020204" pitchFamily="34" charset="-122"/>
-                  <a:ea typeface="微软雅黑" panose="020B0503020204020204" pitchFamily="34" charset="-122"/>
-                </a:rPr>
-                <a:t>Overall quality ranking </a:t>
-              </a:r>
-              <a:r>
-                <a:rPr lang="en-US" altLang="zh-CN" sz="900" b="1">
-                  <a:latin typeface="微软雅黑" panose="020B0503020204020204" pitchFamily="34" charset="-122"/>
-                  <a:ea typeface="微软雅黑" panose="020B0503020204020204" pitchFamily="34" charset="-122"/>
-                </a:rPr>
-                <a:t>1/713 (0.14%)</a:t>
-              </a:r>
               <a:endParaRPr lang="en-US" altLang="zh-CN" sz="900">
                 <a:latin typeface="微软雅黑" panose="020B0503020204020204" pitchFamily="34" charset="-122"/>
                 <a:ea typeface="微软雅黑" panose="020B0503020204020204" pitchFamily="34" charset="-122"/>
@@ -6170,37 +6058,6 @@
             </a:p>
           </p:txBody>
         </p:sp>
-        <p:pic>
-          <p:nvPicPr>
-            <p:cNvPr id="10" name="图片 9"/>
-            <p:cNvPicPr>
-              <a:picLocks noChangeAspect="1"/>
-            </p:cNvPicPr>
-            <p:nvPr/>
-          </p:nvPicPr>
-          <p:blipFill>
-            <a:blip r:embed="rId1">
-              <a:extLst>
-                <a:ext uri="{28A0092B-C50C-407E-A947-70E740481C1C}">
-                  <a14:useLocalDpi xmlns:a14="http://schemas.microsoft.com/office/drawing/2010/main" val="0"/>
-                </a:ext>
-              </a:extLst>
-            </a:blip>
-            <a:srcRect l="305" r="305"/>
-            <a:stretch>
-              <a:fillRect/>
-            </a:stretch>
-          </p:blipFill>
-          <p:spPr>
-            <a:xfrm>
-              <a:off x="5465187" y="487080"/>
-              <a:ext cx="997615" cy="997615"/>
-            </a:xfrm>
-            <a:prstGeom prst="ellipse">
-              <a:avLst/>
-            </a:prstGeom>
-          </p:spPr>
-        </p:pic>
       </p:grpSp>
       <p:grpSp>
         <p:nvGrpSpPr>
@@ -6210,10 +6067,10 @@
         </p:nvGrpSpPr>
         <p:grpSpPr>
           <a:xfrm>
-            <a:off x="322290" y="2101124"/>
-            <a:ext cx="6136515" cy="714491"/>
+            <a:off x="307050" y="1445804"/>
+            <a:ext cx="6136515" cy="2516519"/>
             <a:chOff x="331791" y="1976102"/>
-            <a:chExt cx="6136515" cy="714491"/>
+            <a:chExt cx="6136515" cy="2516519"/>
           </a:xfrm>
         </p:grpSpPr>
         <p:sp>
@@ -6225,7 +6082,7 @@
           <p:spPr>
             <a:xfrm>
               <a:off x="332538" y="1976102"/>
-              <a:ext cx="652743" cy="261610"/>
+              <a:ext cx="881380" cy="260350"/>
             </a:xfrm>
             <a:prstGeom prst="rect">
               <a:avLst/>
@@ -6248,7 +6105,7 @@
                   <a:latin typeface="微软雅黑" panose="020B0503020204020204" pitchFamily="34" charset="-122"/>
                   <a:ea typeface="微软雅黑" panose="020B0503020204020204" pitchFamily="34" charset="-122"/>
                 </a:rPr>
-                <a:t>Profile</a:t>
+                <a:t>Education</a:t>
               </a:r>
               <a:endParaRPr lang="en-US" altLang="zh-CN" sz="1100" b="1">
                 <a:solidFill>
@@ -6300,8 +6157,8 @@
           </p:nvSpPr>
           <p:spPr>
             <a:xfrm>
-              <a:off x="331791" y="2207256"/>
-              <a:ext cx="6135767" cy="483337"/>
+              <a:off x="331791" y="2254881"/>
+              <a:ext cx="6135767" cy="2237740"/>
             </a:xfrm>
             <a:prstGeom prst="rect">
               <a:avLst/>
@@ -6314,19 +6171,225 @@
             </a:bodyPr>
             <a:lstStyle/>
             <a:p>
-              <a:pPr>
+              <a:pPr marL="171450" indent="-171450" algn="l">
+                <a:lnSpc>
+                  <a:spcPct val="150000"/>
+                </a:lnSpc>
+                <a:buFont typeface="Arial" panose="020B0604020202020204" pitchFamily="34" charset="0"/>
+                <a:buChar char="•"/>
+              </a:pPr>
+              <a:r>
+                <a:rPr lang="en-US" altLang="zh-CN" sz="900" b="1">
+                  <a:latin typeface="微软雅黑" panose="020B0503020204020204" pitchFamily="34" charset="-122"/>
+                  <a:ea typeface="微软雅黑" panose="020B0503020204020204" pitchFamily="34" charset="-122"/>
+                  <a:sym typeface="+mn-ea"/>
+                </a:rPr>
+                <a:t>Xidian University(XDU)</a:t>
+              </a:r>
+              <a:r>
+                <a:rPr lang="zh-CN" altLang="en-US" sz="900" b="1">
+                  <a:latin typeface="微软雅黑" panose="020B0503020204020204" pitchFamily="34" charset="-122"/>
+                  <a:ea typeface="微软雅黑" panose="020B0503020204020204" pitchFamily="34" charset="-122"/>
+                  <a:sym typeface="+mn-ea"/>
+                </a:rPr>
+                <a:t> </a:t>
+              </a:r>
+              <a:r>
+                <a:rPr lang="en-US" altLang="zh-CN" sz="900" b="1">
+                  <a:latin typeface="微软雅黑" panose="020B0503020204020204" pitchFamily="34" charset="-122"/>
+                  <a:ea typeface="微软雅黑" panose="020B0503020204020204" pitchFamily="34" charset="-122"/>
+                  <a:sym typeface="+mn-ea"/>
+                </a:rPr>
+                <a:t>								 </a:t>
+              </a:r>
+              <a:r>
+                <a:rPr lang="en-US" altLang="zh-CN" sz="900">
+                  <a:latin typeface="微软雅黑" panose="020B0503020204020204" pitchFamily="34" charset="-122"/>
+                  <a:ea typeface="微软雅黑" panose="020B0503020204020204" pitchFamily="34" charset="-122"/>
+                  <a:sym typeface="+mn-ea"/>
+                </a:rPr>
+                <a:t>2020-2024</a:t>
+              </a:r>
+              <a:endParaRPr lang="en-US" altLang="zh-CN" sz="900">
+                <a:latin typeface="微软雅黑" panose="020B0503020204020204" pitchFamily="34" charset="-122"/>
+                <a:ea typeface="微软雅黑" panose="020B0503020204020204" pitchFamily="34" charset="-122"/>
+              </a:endParaRPr>
+            </a:p>
+            <a:p>
+              <a:pPr algn="l">
                 <a:lnSpc>
                   <a:spcPct val="150000"/>
                 </a:lnSpc>
               </a:pPr>
               <a:r>
+                <a:rPr lang="en-US" altLang="zh-CN" sz="900" b="1">
+                  <a:latin typeface="微软雅黑" panose="020B0503020204020204" pitchFamily="34" charset="-122"/>
+                  <a:ea typeface="微软雅黑" panose="020B0503020204020204" pitchFamily="34" charset="-122"/>
+                  <a:sym typeface="+mn-ea"/>
+                </a:rPr>
+                <a:t>School of Computer Science and Engineering - Software </a:t>
+              </a:r>
+              <a:r>
+                <a:rPr lang="en-US" altLang="zh-CN" sz="900" b="1">
+                  <a:latin typeface="微软雅黑" panose="020B0503020204020204" pitchFamily="34" charset="-122"/>
+                  <a:ea typeface="微软雅黑" panose="020B0503020204020204" pitchFamily="34" charset="-122"/>
+                </a:rPr>
+                <a:t>Engineering </a:t>
+              </a:r>
+              <a:endParaRPr lang="en-US" altLang="zh-CN" sz="900" b="1">
+                <a:latin typeface="微软雅黑" panose="020B0503020204020204" pitchFamily="34" charset="-122"/>
+                <a:ea typeface="微软雅黑" panose="020B0503020204020204" pitchFamily="34" charset="-122"/>
+              </a:endParaRPr>
+            </a:p>
+            <a:p>
+              <a:pPr algn="l">
+                <a:lnSpc>
+                  <a:spcPct val="150000"/>
+                </a:lnSpc>
+              </a:pPr>
+              <a:r>
                 <a:rPr lang="en-US" altLang="zh-CN" sz="900">
                   <a:latin typeface="微软雅黑" panose="020B0503020204020204" pitchFamily="34" charset="-122"/>
                   <a:ea typeface="微软雅黑" panose="020B0503020204020204" pitchFamily="34" charset="-122"/>
-                </a:rPr>
-                <a:t>Optimistic, kind and self-disciplined 3rd year undergraduates with a solid foundation in mathematics, strong learning ability, good project background and research experience.</a:t>
-              </a:r>
-              <a:endParaRPr lang="en-US" altLang="zh-CN" sz="900">
+                  <a:sym typeface="+mn-ea"/>
+                </a:rPr>
+                <a:t>Weighted average score: </a:t>
+              </a:r>
+              <a:r>
+                <a:rPr lang="en-US" altLang="zh-CN" sz="900" b="1">
+                  <a:latin typeface="微软雅黑" panose="020B0503020204020204" pitchFamily="34" charset="-122"/>
+                  <a:ea typeface="微软雅黑" panose="020B0503020204020204" pitchFamily="34" charset="-122"/>
+                  <a:sym typeface="+mn-ea"/>
+                </a:rPr>
+                <a:t>88.1</a:t>
+              </a:r>
+              <a:r>
+                <a:rPr lang="en-US" altLang="zh-CN" sz="900">
+                  <a:latin typeface="微软雅黑" panose="020B0503020204020204" pitchFamily="34" charset="-122"/>
+                  <a:ea typeface="微软雅黑" panose="020B0503020204020204" pitchFamily="34" charset="-122"/>
+                  <a:sym typeface="+mn-ea"/>
+                </a:rPr>
+                <a:t> GPA:</a:t>
+              </a:r>
+              <a:r>
+                <a:rPr lang="en-US" altLang="zh-CN" sz="900" b="1">
+                  <a:latin typeface="微软雅黑" panose="020B0503020204020204" pitchFamily="34" charset="-122"/>
+                  <a:ea typeface="微软雅黑" panose="020B0503020204020204" pitchFamily="34" charset="-122"/>
+                  <a:sym typeface="+mn-ea"/>
+                </a:rPr>
+                <a:t> 3.8/4</a:t>
+              </a:r>
+              <a:r>
+                <a:rPr lang="en-US" altLang="zh-CN" sz="900">
+                  <a:latin typeface="微软雅黑" panose="020B0503020204020204" pitchFamily="34" charset="-122"/>
+                  <a:ea typeface="微软雅黑" panose="020B0503020204020204" pitchFamily="34" charset="-122"/>
+                  <a:sym typeface="+mn-ea"/>
+                </a:rPr>
+                <a:t>, ranking: </a:t>
+              </a:r>
+              <a:r>
+                <a:rPr lang="en-US" altLang="zh-CN" sz="900" b="1">
+                  <a:latin typeface="微软雅黑" panose="020B0503020204020204" pitchFamily="34" charset="-122"/>
+                  <a:ea typeface="微软雅黑" panose="020B0503020204020204" pitchFamily="34" charset="-122"/>
+                  <a:sym typeface="+mn-ea"/>
+                </a:rPr>
+                <a:t>21/332 (6.4%)</a:t>
+              </a:r>
+              <a:endParaRPr lang="en-US" altLang="zh-CN" sz="900" b="1">
+                <a:latin typeface="微软雅黑" panose="020B0503020204020204" pitchFamily="34" charset="-122"/>
+                <a:ea typeface="微软雅黑" panose="020B0503020204020204" pitchFamily="34" charset="-122"/>
+                <a:sym typeface="+mn-ea"/>
+              </a:endParaRPr>
+            </a:p>
+            <a:p>
+              <a:pPr algn="l">
+                <a:lnSpc>
+                  <a:spcPct val="150000"/>
+                </a:lnSpc>
+              </a:pPr>
+              <a:r>
+                <a:rPr lang="en-US" altLang="zh-CN" sz="800">
+                  <a:latin typeface="微软雅黑" panose="020B0503020204020204" pitchFamily="34" charset="-122"/>
+                  <a:ea typeface="微软雅黑" panose="020B0503020204020204" pitchFamily="34" charset="-122"/>
+                </a:rPr>
+                <a:t>Core courses: Data Structures (99), Computer Networks and Communications (91), Compiler Principles (97), Algorithms (99), Advanced Mathematics (90)</a:t>
+              </a:r>
+              <a:endParaRPr lang="en-US" altLang="zh-CN" sz="800">
+                <a:latin typeface="微软雅黑" panose="020B0503020204020204" pitchFamily="34" charset="-122"/>
+                <a:ea typeface="微软雅黑" panose="020B0503020204020204" pitchFamily="34" charset="-122"/>
+              </a:endParaRPr>
+            </a:p>
+            <a:p>
+              <a:pPr marL="171450" indent="-171450" algn="l">
+                <a:lnSpc>
+                  <a:spcPct val="150000"/>
+                </a:lnSpc>
+                <a:buFont typeface="Arial" panose="020B0604020202020204" pitchFamily="34" charset="0"/>
+                <a:buChar char="•"/>
+              </a:pPr>
+              <a:r>
+                <a:rPr lang="en-US" altLang="zh-CN" sz="900" b="1">
+                  <a:latin typeface="微软雅黑" panose="020B0503020204020204" pitchFamily="34" charset="-122"/>
+                  <a:ea typeface="微软雅黑" panose="020B0503020204020204" pitchFamily="34" charset="-122"/>
+                </a:rPr>
+                <a:t>East China Normal University (ECNU)						 </a:t>
+              </a:r>
+              <a:r>
+                <a:rPr lang="en-US" altLang="zh-CN" sz="900">
+                  <a:latin typeface="微软雅黑" panose="020B0503020204020204" pitchFamily="34" charset="-122"/>
+                  <a:ea typeface="微软雅黑" panose="020B0503020204020204" pitchFamily="34" charset="-122"/>
+                  <a:sym typeface="+mn-ea"/>
+                </a:rPr>
+                <a:t>2024–present</a:t>
+              </a:r>
+              <a:endParaRPr lang="en-US" altLang="zh-CN" sz="900" b="1">
+                <a:latin typeface="微软雅黑" panose="020B0503020204020204" pitchFamily="34" charset="-122"/>
+                <a:ea typeface="微软雅黑" panose="020B0503020204020204" pitchFamily="34" charset="-122"/>
+              </a:endParaRPr>
+            </a:p>
+            <a:p>
+              <a:pPr algn="l">
+                <a:lnSpc>
+                  <a:spcPct val="150000"/>
+                </a:lnSpc>
+              </a:pPr>
+              <a:r>
+                <a:rPr lang="en-US" altLang="zh-CN" sz="900" b="1">
+                  <a:latin typeface="微软雅黑" panose="020B0503020204020204" pitchFamily="34" charset="-122"/>
+                  <a:ea typeface="微软雅黑" panose="020B0503020204020204" pitchFamily="34" charset="-122"/>
+                </a:rPr>
+                <a:t>School of Software Engineering - Software Engineering  </a:t>
+              </a:r>
+              <a:endParaRPr lang="en-US" altLang="zh-CN" sz="900" b="1">
+                <a:latin typeface="微软雅黑" panose="020B0503020204020204" pitchFamily="34" charset="-122"/>
+                <a:ea typeface="微软雅黑" panose="020B0503020204020204" pitchFamily="34" charset="-122"/>
+              </a:endParaRPr>
+            </a:p>
+            <a:p>
+              <a:pPr algn="l">
+                <a:lnSpc>
+                  <a:spcPct val="150000"/>
+                </a:lnSpc>
+              </a:pPr>
+              <a:r>
+                <a:rPr lang="en-US" altLang="zh-CN" sz="800">
+                  <a:latin typeface="微软雅黑" panose="020B0503020204020204" pitchFamily="34" charset="-122"/>
+                  <a:ea typeface="微软雅黑" panose="020B0503020204020204" pitchFamily="34" charset="-122"/>
+                </a:rPr>
+                <a:t>Research Interests: Edge Computing (MEC), Internet of Things (IoT), Unmanned Aerial Vehicles (UAV), and the integration of deep learning, utilizing intelligent algorithms to optimize resource allocation, make decisions, and schedule tasks in dynamic environments.</a:t>
+              </a:r>
+              <a:endParaRPr lang="en-US" altLang="zh-CN" sz="800">
+                <a:latin typeface="微软雅黑" panose="020B0503020204020204" pitchFamily="34" charset="-122"/>
+                <a:ea typeface="微软雅黑" panose="020B0503020204020204" pitchFamily="34" charset="-122"/>
+              </a:endParaRPr>
+            </a:p>
+            <a:p>
+              <a:pPr algn="l">
+                <a:lnSpc>
+                  <a:spcPct val="150000"/>
+                </a:lnSpc>
+              </a:pPr>
+              <a:endParaRPr lang="en-US" altLang="zh-CN" sz="800">
                 <a:latin typeface="微软雅黑" panose="020B0503020204020204" pitchFamily="34" charset="-122"/>
                 <a:ea typeface="微软雅黑" panose="020B0503020204020204" pitchFamily="34" charset="-122"/>
               </a:endParaRPr>
@@ -6342,10 +6405,10 @@
         </p:nvGrpSpPr>
         <p:grpSpPr>
           <a:xfrm>
-            <a:off x="322282" y="2824609"/>
-            <a:ext cx="6135775" cy="711122"/>
+            <a:off x="305772" y="3747264"/>
+            <a:ext cx="6135775" cy="734515"/>
             <a:chOff x="332531" y="2989562"/>
-            <a:chExt cx="6135775" cy="711122"/>
+            <a:chExt cx="6135775" cy="734515"/>
           </a:xfrm>
         </p:grpSpPr>
         <p:sp>
@@ -6433,7 +6496,7 @@
           <p:spPr>
             <a:xfrm>
               <a:off x="332531" y="3217347"/>
-              <a:ext cx="6135767" cy="483337"/>
+              <a:ext cx="6135767" cy="506730"/>
             </a:xfrm>
             <a:prstGeom prst="rect">
               <a:avLst/>
@@ -6456,7 +6519,7 @@
                   <a:latin typeface="微软雅黑" panose="020B0503020204020204" pitchFamily="34" charset="-122"/>
                   <a:ea typeface="微软雅黑" panose="020B0503020204020204" pitchFamily="34" charset="-122"/>
                 </a:rPr>
-                <a:t>National Scholarship, First-class Scholarship, Sichuan Comprehensive Quality A Certificate, Outstanding Communist Youth League Member, several awards in sports/arts, etc.</a:t>
+                <a:t>Xidian University Scholarship for three consecutive years, First Prize in the National College Students Mathematical Modeling Competition in Shaanxi Province,  Outstanding Communist Youth League Member</a:t>
               </a:r>
               <a:endParaRPr lang="en-US" altLang="zh-CN" sz="900">
                 <a:latin typeface="微软雅黑" panose="020B0503020204020204" pitchFamily="34" charset="-122"/>
@@ -6474,10 +6537,10 @@
         </p:nvGrpSpPr>
         <p:grpSpPr>
           <a:xfrm>
-            <a:off x="322272" y="8860821"/>
-            <a:ext cx="6135766" cy="735030"/>
+            <a:off x="322272" y="9025921"/>
+            <a:ext cx="6135766" cy="758423"/>
             <a:chOff x="332538" y="3610564"/>
-            <a:chExt cx="6135768" cy="735030"/>
+            <a:chExt cx="6135768" cy="758423"/>
           </a:xfrm>
         </p:grpSpPr>
         <p:sp>
@@ -6565,7 +6628,7 @@
           <p:spPr>
             <a:xfrm>
               <a:off x="332539" y="3862257"/>
-              <a:ext cx="6135765" cy="483337"/>
+              <a:ext cx="6135765" cy="506730"/>
             </a:xfrm>
             <a:prstGeom prst="rect">
               <a:avLst/>
@@ -6602,7 +6665,7 @@
                   <a:latin typeface="微软雅黑" panose="020B0503020204020204" pitchFamily="34" charset="-122"/>
                   <a:ea typeface="微软雅黑" panose="020B0503020204020204" pitchFamily="34" charset="-122"/>
                 </a:rPr>
-                <a:t>CET-6: 590</a:t>
+                <a:t>CET-6: 530</a:t>
               </a:r>
               <a:r>
                 <a:rPr lang="zh-CN" altLang="en-US" sz="900" b="1">
@@ -6616,7 +6679,7 @@
                   <a:latin typeface="微软雅黑" panose="020B0503020204020204" pitchFamily="34" charset="-122"/>
                   <a:ea typeface="微软雅黑" panose="020B0503020204020204" pitchFamily="34" charset="-122"/>
                 </a:rPr>
-                <a:t>IELTS: 7</a:t>
+                <a:t>CET-4: 587</a:t>
               </a:r>
               <a:endParaRPr lang="en-US" altLang="zh-CN" sz="900" b="1">
                 <a:latin typeface="微软雅黑" panose="020B0503020204020204" pitchFamily="34" charset="-122"/>
@@ -6634,7 +6697,7 @@
                   <a:latin typeface="微软雅黑" panose="020B0503020204020204" pitchFamily="34" charset="-122"/>
                   <a:ea typeface="微软雅黑" panose="020B0503020204020204" pitchFamily="34" charset="-122"/>
                 </a:rPr>
-                <a:t>Exceptional writing skills, Good with people (rank 1/29 in class mutual evaluation), etc.</a:t>
+                <a:t>Exceptional writing skills, Good with people,Strong learning ability,positive and outgoing, etc.</a:t>
               </a:r>
               <a:endParaRPr lang="zh-CN" altLang="en-US" sz="900">
                 <a:latin typeface="微软雅黑" panose="020B0503020204020204" pitchFamily="34" charset="-122"/>
@@ -6646,182 +6709,28 @@
       </p:grpSp>
       <p:grpSp>
         <p:nvGrpSpPr>
-          <p:cNvPr id="23" name="组合 22"/>
+          <p:cNvPr id="38" name="组合 37"/>
           <p:cNvGrpSpPr/>
           <p:nvPr/>
         </p:nvGrpSpPr>
         <p:grpSpPr>
-          <a:xfrm>
-            <a:off x="322272" y="8116794"/>
-            <a:ext cx="6135766" cy="735030"/>
-            <a:chOff x="-6615935" y="8498960"/>
-            <a:chExt cx="6135766" cy="735030"/>
+          <a:xfrm rot="0">
+            <a:off x="360680" y="6964045"/>
+            <a:ext cx="6136005" cy="2052312"/>
+            <a:chOff x="332533" y="3610564"/>
+            <a:chExt cx="6135773" cy="2052294"/>
           </a:xfrm>
         </p:grpSpPr>
-        <p:grpSp>
-          <p:nvGrpSpPr>
-            <p:cNvPr id="24" name="组合 23"/>
-            <p:cNvGrpSpPr/>
-            <p:nvPr/>
-          </p:nvGrpSpPr>
-          <p:grpSpPr>
-            <a:xfrm>
-              <a:off x="-6615935" y="8498960"/>
-              <a:ext cx="6135766" cy="735030"/>
-              <a:chOff x="332538" y="3610564"/>
-              <a:chExt cx="6135768" cy="735030"/>
-            </a:xfrm>
-          </p:grpSpPr>
-          <p:sp>
-            <p:nvSpPr>
-              <p:cNvPr id="27" name="文本框 26"/>
-              <p:cNvSpPr txBox="1"/>
-              <p:nvPr/>
-            </p:nvSpPr>
-            <p:spPr>
-              <a:xfrm>
-                <a:off x="332538" y="3610564"/>
-                <a:ext cx="1019831" cy="261610"/>
-              </a:xfrm>
-              <a:prstGeom prst="rect">
-                <a:avLst/>
-              </a:prstGeom>
-              <a:noFill/>
-            </p:spPr>
-            <p:txBody>
-              <a:bodyPr wrap="none" rtlCol="0">
-                <a:spAutoFit/>
-              </a:bodyPr>
-              <a:lstStyle/>
-              <a:p>
-                <a:r>
-                  <a:rPr lang="en-US" altLang="zh-CN" sz="1100" b="1">
-                    <a:solidFill>
-                      <a:schemeClr val="accent1">
-                        <a:lumMod val="75000"/>
-                      </a:schemeClr>
-                    </a:solidFill>
-                    <a:latin typeface="微软雅黑" panose="020B0503020204020204" pitchFamily="34" charset="-122"/>
-                    <a:ea typeface="微软雅黑" panose="020B0503020204020204" pitchFamily="34" charset="-122"/>
-                  </a:rPr>
-                  <a:t>Experiences</a:t>
-                </a:r>
-                <a:endParaRPr lang="en-US" altLang="zh-CN" sz="1100" b="1">
-                  <a:solidFill>
-                    <a:schemeClr val="accent1">
-                      <a:lumMod val="75000"/>
-                    </a:schemeClr>
-                  </a:solidFill>
-                  <a:latin typeface="微软雅黑" panose="020B0503020204020204" pitchFamily="34" charset="-122"/>
-                  <a:ea typeface="微软雅黑" panose="020B0503020204020204" pitchFamily="34" charset="-122"/>
-                </a:endParaRPr>
-              </a:p>
-            </p:txBody>
-          </p:sp>
-          <p:cxnSp>
-            <p:nvCxnSpPr>
-              <p:cNvPr id="28" name="直接连接符 27"/>
-              <p:cNvCxnSpPr/>
-              <p:nvPr/>
-            </p:nvCxnSpPr>
-            <p:spPr>
-              <a:xfrm>
-                <a:off x="415088" y="3840424"/>
-                <a:ext cx="6053218" cy="0"/>
-              </a:xfrm>
-              <a:prstGeom prst="line">
-                <a:avLst/>
-              </a:prstGeom>
-            </p:spPr>
-            <p:style>
-              <a:lnRef idx="1">
-                <a:schemeClr val="accent1"/>
-              </a:lnRef>
-              <a:fillRef idx="0">
-                <a:schemeClr val="accent1"/>
-              </a:fillRef>
-              <a:effectRef idx="0">
-                <a:schemeClr val="accent1"/>
-              </a:effectRef>
-              <a:fontRef idx="minor">
-                <a:schemeClr val="tx1"/>
-              </a:fontRef>
-            </p:style>
-          </p:cxnSp>
-          <p:sp>
-            <p:nvSpPr>
-              <p:cNvPr id="29" name="文本框 28"/>
-              <p:cNvSpPr txBox="1"/>
-              <p:nvPr/>
-            </p:nvSpPr>
-            <p:spPr>
-              <a:xfrm>
-                <a:off x="332539" y="3862257"/>
-                <a:ext cx="6135765" cy="483337"/>
-              </a:xfrm>
-              <a:prstGeom prst="rect">
-                <a:avLst/>
-              </a:prstGeom>
-              <a:noFill/>
-            </p:spPr>
-            <p:txBody>
-              <a:bodyPr wrap="square" rtlCol="0">
-                <a:spAutoFit/>
-              </a:bodyPr>
-              <a:lstStyle/>
-              <a:p>
-                <a:pPr marL="171450" indent="-171450">
-                  <a:lnSpc>
-                    <a:spcPct val="150000"/>
-                  </a:lnSpc>
-                  <a:buFont typeface="Arial" panose="020B0604020202020204" pitchFamily="34" charset="0"/>
-                  <a:buChar char="•"/>
-                </a:pPr>
-                <a:r>
-                  <a:rPr lang="en-US" altLang="zh-CN" sz="900" b="1">
-                    <a:latin typeface="微软雅黑" panose="020B0503020204020204" pitchFamily="34" charset="-122"/>
-                    <a:ea typeface="微软雅黑" panose="020B0503020204020204" pitchFamily="34" charset="-122"/>
-                  </a:rPr>
-                  <a:t>QunGreen Volunteer Teaching Team      founder/leader</a:t>
-                </a:r>
-                <a:endParaRPr lang="en-US" altLang="zh-CN" sz="900">
-                  <a:latin typeface="微软雅黑" panose="020B0503020204020204" pitchFamily="34" charset="-122"/>
-                  <a:ea typeface="微软雅黑" panose="020B0503020204020204" pitchFamily="34" charset="-122"/>
-                </a:endParaRPr>
-              </a:p>
-              <a:p>
-                <a:pPr marL="171450" indent="-171450">
-                  <a:lnSpc>
-                    <a:spcPct val="150000"/>
-                  </a:lnSpc>
-                  <a:buFont typeface="Arial" panose="020B0604020202020204" pitchFamily="34" charset="0"/>
-                  <a:buChar char="•"/>
-                </a:pPr>
-                <a:r>
-                  <a:rPr lang="en-US" altLang="zh-CN" sz="900" b="1">
-                    <a:latin typeface="微软雅黑" panose="020B0503020204020204" pitchFamily="34" charset="-122"/>
-                    <a:ea typeface="微软雅黑" panose="020B0503020204020204" pitchFamily="34" charset="-122"/>
-                  </a:rPr>
-                  <a:t>UESTC RelaxingZone Online Culture Studio      leader</a:t>
-                </a:r>
-                <a:endParaRPr lang="zh-CN" altLang="en-US" sz="900">
-                  <a:latin typeface="微软雅黑" panose="020B0503020204020204" pitchFamily="34" charset="-122"/>
-                  <a:ea typeface="微软雅黑" panose="020B0503020204020204" pitchFamily="34" charset="-122"/>
-                </a:endParaRPr>
-              </a:p>
-            </p:txBody>
-          </p:sp>
-        </p:grpSp>
         <p:sp>
           <p:nvSpPr>
-            <p:cNvPr id="25" name="文本框 24"/>
+            <p:cNvPr id="40" name="文本框 39"/>
             <p:cNvSpPr txBox="1"/>
             <p:nvPr/>
           </p:nvSpPr>
           <p:spPr>
             <a:xfrm>
-              <a:off x="-1680795" y="8790121"/>
-              <a:ext cx="1198880" cy="230832"/>
+              <a:off x="332538" y="3610564"/>
+              <a:ext cx="753732" cy="261610"/>
             </a:xfrm>
             <a:prstGeom prst="rect">
               <a:avLst/>
@@ -6829,36 +6738,75 @@
             <a:noFill/>
           </p:spPr>
           <p:txBody>
-            <a:bodyPr wrap="square">
+            <a:bodyPr wrap="none" rtlCol="0">
               <a:spAutoFit/>
             </a:bodyPr>
             <a:lstStyle/>
             <a:p>
-              <a:pPr algn="r"/>
-              <a:r>
-                <a:rPr lang="en-US" altLang="zh-CN" sz="900" b="1">
-                  <a:latin typeface="微软雅黑" panose="020B0503020204020204" pitchFamily="34" charset="-122"/>
-                  <a:ea typeface="微软雅黑" panose="020B0503020204020204" pitchFamily="34" charset="-122"/>
-                </a:rPr>
-                <a:t>07/2019-08/2019</a:t>
-              </a:r>
-              <a:endParaRPr lang="zh-CN" altLang="en-US" sz="900" b="1">
+              <a:r>
+                <a:rPr lang="en-US" altLang="zh-CN" sz="1100" b="1">
+                  <a:solidFill>
+                    <a:schemeClr val="accent1">
+                      <a:lumMod val="75000"/>
+                    </a:schemeClr>
+                  </a:solidFill>
+                  <a:latin typeface="微软雅黑" panose="020B0503020204020204" pitchFamily="34" charset="-122"/>
+                  <a:ea typeface="微软雅黑" panose="020B0503020204020204" pitchFamily="34" charset="-122"/>
+                </a:rPr>
+                <a:t>Projects</a:t>
+              </a:r>
+              <a:endParaRPr lang="en-US" altLang="zh-CN" sz="1100" b="1">
+                <a:solidFill>
+                  <a:schemeClr val="accent1">
+                    <a:lumMod val="75000"/>
+                  </a:schemeClr>
+                </a:solidFill>
                 <a:latin typeface="微软雅黑" panose="020B0503020204020204" pitchFamily="34" charset="-122"/>
                 <a:ea typeface="微软雅黑" panose="020B0503020204020204" pitchFamily="34" charset="-122"/>
               </a:endParaRPr>
             </a:p>
           </p:txBody>
         </p:sp>
+        <p:cxnSp>
+          <p:nvCxnSpPr>
+            <p:cNvPr id="41" name="直接连接符 40"/>
+            <p:cNvCxnSpPr/>
+            <p:nvPr/>
+          </p:nvCxnSpPr>
+          <p:spPr>
+            <a:xfrm>
+              <a:off x="415088" y="3840424"/>
+              <a:ext cx="6053218" cy="0"/>
+            </a:xfrm>
+            <a:prstGeom prst="line">
+              <a:avLst/>
+            </a:prstGeom>
+          </p:spPr>
+          <p:style>
+            <a:lnRef idx="1">
+              <a:schemeClr val="accent1"/>
+            </a:lnRef>
+            <a:fillRef idx="0">
+              <a:schemeClr val="accent1"/>
+            </a:fillRef>
+            <a:effectRef idx="0">
+              <a:schemeClr val="accent1"/>
+            </a:effectRef>
+            <a:fontRef idx="minor">
+              <a:schemeClr val="tx1"/>
+            </a:fontRef>
+          </p:style>
+        </p:cxnSp>
         <p:sp>
           <p:nvSpPr>
-            <p:cNvPr id="26" name="文本框 25"/>
+            <p:cNvPr id="42" name="文本框 41"/>
             <p:cNvSpPr txBox="1"/>
             <p:nvPr/>
           </p:nvSpPr>
           <p:spPr>
             <a:xfrm>
-              <a:off x="-1685577" y="8996540"/>
-              <a:ext cx="1198880" cy="230832"/>
+              <a:off x="332533" y="3840424"/>
+              <a:ext cx="6135765" cy="1822434"/>
             </a:xfrm>
             <a:prstGeom prst="rect">
               <a:avLst/>
@@ -6866,20 +6814,162 @@
             <a:noFill/>
           </p:spPr>
           <p:txBody>
-            <a:bodyPr wrap="square">
+            <a:bodyPr wrap="square" rtlCol="0">
               <a:spAutoFit/>
             </a:bodyPr>
             <a:lstStyle/>
             <a:p>
-              <a:pPr algn="r"/>
+              <a:pPr marL="171450" indent="-171450">
+                <a:lnSpc>
+                  <a:spcPct val="150000"/>
+                </a:lnSpc>
+                <a:buFont typeface="Arial" panose="020B0604020202020204" pitchFamily="34" charset="0"/>
+                <a:buChar char="•"/>
+              </a:pPr>
               <a:r>
                 <a:rPr lang="en-US" altLang="zh-CN" sz="900" b="1">
                   <a:latin typeface="微软雅黑" panose="020B0503020204020204" pitchFamily="34" charset="-122"/>
                   <a:ea typeface="微软雅黑" panose="020B0503020204020204" pitchFamily="34" charset="-122"/>
                 </a:rPr>
-                <a:t>09/2018-06/2020</a:t>
-              </a:r>
-              <a:endParaRPr lang="zh-CN" altLang="en-US" sz="900" b="1">
+                <a:t>“Little Detective” Equipment Maintenance Management System</a:t>
+              </a:r>
+              <a:endParaRPr lang="en-US" altLang="zh-CN" sz="900" b="1">
+                <a:latin typeface="微软雅黑" panose="020B0503020204020204" pitchFamily="34" charset="-122"/>
+                <a:ea typeface="微软雅黑" panose="020B0503020204020204" pitchFamily="34" charset="-122"/>
+              </a:endParaRPr>
+            </a:p>
+            <a:p>
+              <a:pPr indent="0">
+                <a:lnSpc>
+                  <a:spcPct val="150000"/>
+                </a:lnSpc>
+                <a:buFont typeface="Arial" panose="020B0604020202020204" pitchFamily="34" charset="0"/>
+                <a:buNone/>
+              </a:pPr>
+              <a:r>
+                <a:rPr lang="en-US" altLang="zh-CN" sz="800">
+                  <a:solidFill>
+                    <a:schemeClr val="tx1">
+                      <a:lumMod val="65000"/>
+                      <a:lumOff val="35000"/>
+                    </a:schemeClr>
+                  </a:solidFill>
+                  <a:latin typeface="微软雅黑" panose="020B0503020204020204" pitchFamily="34" charset="-122"/>
+                  <a:ea typeface="微软雅黑" panose="020B0503020204020204" pitchFamily="34" charset="-122"/>
+                </a:rPr>
+                <a:t> Led the development of a front-end/back-end separated system using SpringBoot and Vue3. Implemented features for equipment info storage, maintenance records, repair requests, and event tracking.</a:t>
+              </a:r>
+              <a:endParaRPr lang="en-US" altLang="zh-CN" sz="800">
+                <a:solidFill>
+                  <a:schemeClr val="tx1">
+                    <a:lumMod val="65000"/>
+                    <a:lumOff val="35000"/>
+                  </a:schemeClr>
+                </a:solidFill>
+                <a:latin typeface="微软雅黑" panose="020B0503020204020204" pitchFamily="34" charset="-122"/>
+                <a:ea typeface="微软雅黑" panose="020B0503020204020204" pitchFamily="34" charset="-122"/>
+              </a:endParaRPr>
+            </a:p>
+            <a:p>
+              <a:pPr marL="171450" indent="-171450">
+                <a:lnSpc>
+                  <a:spcPct val="150000"/>
+                </a:lnSpc>
+                <a:buFont typeface="Arial" panose="020B0604020202020204" pitchFamily="34" charset="0"/>
+                <a:buChar char="•"/>
+              </a:pPr>
+              <a:r>
+                <a:rPr lang="en-US" altLang="zh-CN" sz="900" b="1">
+                  <a:latin typeface="微软雅黑" panose="020B0503020204020204" pitchFamily="34" charset="-122"/>
+                  <a:ea typeface="微软雅黑" panose="020B0503020204020204" pitchFamily="34" charset="-122"/>
+                </a:rPr>
+                <a:t>Glass Composition Analysis and Classification (Machine Learning)</a:t>
+              </a:r>
+              <a:endParaRPr lang="en-US" altLang="zh-CN" sz="900" b="1">
+                <a:latin typeface="微软雅黑" panose="020B0503020204020204" pitchFamily="34" charset="-122"/>
+                <a:ea typeface="微软雅黑" panose="020B0503020204020204" pitchFamily="34" charset="-122"/>
+              </a:endParaRPr>
+            </a:p>
+            <a:p>
+              <a:pPr indent="0">
+                <a:lnSpc>
+                  <a:spcPct val="150000"/>
+                </a:lnSpc>
+                <a:buFont typeface="Arial" panose="020B0604020202020204" pitchFamily="34" charset="0"/>
+                <a:buNone/>
+              </a:pPr>
+              <a:r>
+                <a:rPr lang="en-US" altLang="zh-CN" sz="800">
+                  <a:solidFill>
+                    <a:schemeClr val="tx1">
+                      <a:lumMod val="65000"/>
+                      <a:lumOff val="35000"/>
+                    </a:schemeClr>
+                  </a:solidFill>
+                  <a:latin typeface="微软雅黑" panose="020B0503020204020204" pitchFamily="34" charset="-122"/>
+                  <a:ea typeface="微软雅黑" panose="020B0503020204020204" pitchFamily="34" charset="-122"/>
+                </a:rPr>
+                <a:t>Applied Fisher’s Discriminant Analysis to identify different glass types.Used fuzzy clustering to classify subcategories of glass.Analyzed composition changes before and after weathering.</a:t>
+              </a:r>
+              <a:endParaRPr lang="en-US" altLang="zh-CN" sz="800">
+                <a:solidFill>
+                  <a:schemeClr val="tx1">
+                    <a:lumMod val="65000"/>
+                    <a:lumOff val="35000"/>
+                  </a:schemeClr>
+                </a:solidFill>
+                <a:latin typeface="微软雅黑" panose="020B0503020204020204" pitchFamily="34" charset="-122"/>
+                <a:ea typeface="微软雅黑" panose="020B0503020204020204" pitchFamily="34" charset="-122"/>
+              </a:endParaRPr>
+            </a:p>
+            <a:p>
+              <a:pPr marL="171450" indent="-171450">
+                <a:lnSpc>
+                  <a:spcPct val="150000"/>
+                </a:lnSpc>
+                <a:buFont typeface="Arial" panose="020B0604020202020204" pitchFamily="34" charset="0"/>
+                <a:buChar char="•"/>
+              </a:pPr>
+              <a:r>
+                <a:rPr lang="en-US" altLang="zh-CN" sz="900" b="1">
+                  <a:latin typeface="微软雅黑" panose="020B0503020204020204" pitchFamily="34" charset="-122"/>
+                  <a:ea typeface="微软雅黑" panose="020B0503020204020204" pitchFamily="34" charset="-122"/>
+                </a:rPr>
+                <a:t>Digital Modulation System Simulation (2ASK, 2FSK, 2PSK, 2DPSK)</a:t>
+              </a:r>
+              <a:endParaRPr lang="en-US" altLang="zh-CN" sz="900" b="1">
+                <a:latin typeface="微软雅黑" panose="020B0503020204020204" pitchFamily="34" charset="-122"/>
+                <a:ea typeface="微软雅黑" panose="020B0503020204020204" pitchFamily="34" charset="-122"/>
+              </a:endParaRPr>
+            </a:p>
+            <a:p>
+              <a:pPr indent="0">
+                <a:lnSpc>
+                  <a:spcPct val="150000"/>
+                </a:lnSpc>
+                <a:buFont typeface="Arial" panose="020B0604020202020204" pitchFamily="34" charset="0"/>
+                <a:buNone/>
+              </a:pPr>
+              <a:r>
+                <a:rPr lang="en-US" altLang="zh-CN" sz="800">
+                  <a:solidFill>
+                    <a:schemeClr val="tx1">
+                      <a:lumMod val="65000"/>
+                      <a:lumOff val="35000"/>
+                    </a:schemeClr>
+                  </a:solidFill>
+                  <a:latin typeface="微软雅黑" panose="020B0503020204020204" pitchFamily="34" charset="-122"/>
+                  <a:ea typeface="微软雅黑" panose="020B0503020204020204" pitchFamily="34" charset="-122"/>
+                </a:rPr>
+                <a:t>Simulated 2ASK, 2FSK, 2PSK, and 2DPSK modulation/demodulation systems using Simulink and coherent demodulation methods.</a:t>
+              </a:r>
+              <a:endParaRPr lang="en-US" altLang="zh-CN" sz="800">
+                <a:solidFill>
+                  <a:schemeClr val="tx1">
+                    <a:lumMod val="65000"/>
+                    <a:lumOff val="35000"/>
+                  </a:schemeClr>
+                </a:solidFill>
                 <a:latin typeface="微软雅黑" panose="020B0503020204020204" pitchFamily="34" charset="-122"/>
                 <a:ea typeface="微软雅黑" panose="020B0503020204020204" pitchFamily="34" charset="-122"/>
               </a:endParaRPr>
@@ -6889,309 +6979,28 @@
       </p:grpSp>
       <p:grpSp>
         <p:nvGrpSpPr>
-          <p:cNvPr id="30" name="组合 29"/>
+          <p:cNvPr id="44" name="组合 43"/>
           <p:cNvGrpSpPr/>
           <p:nvPr/>
         </p:nvGrpSpPr>
         <p:grpSpPr>
-          <a:xfrm>
-            <a:off x="322280" y="5836577"/>
-            <a:ext cx="6135769" cy="1549032"/>
-            <a:chOff x="-6615924" y="6497989"/>
-            <a:chExt cx="6135769" cy="1549032"/>
+          <a:xfrm rot="0">
+            <a:off x="335280" y="4490720"/>
+            <a:ext cx="6213475" cy="2467607"/>
+            <a:chOff x="332535" y="3610564"/>
+            <a:chExt cx="6213439" cy="2467532"/>
           </a:xfrm>
         </p:grpSpPr>
-        <p:grpSp>
-          <p:nvGrpSpPr>
-            <p:cNvPr id="31" name="组合 30"/>
-            <p:cNvGrpSpPr/>
-            <p:nvPr/>
-          </p:nvGrpSpPr>
-          <p:grpSpPr>
-            <a:xfrm>
-              <a:off x="-6615924" y="6497989"/>
-              <a:ext cx="6135769" cy="1549032"/>
-              <a:chOff x="332535" y="3610564"/>
-              <a:chExt cx="6135771" cy="1549032"/>
-            </a:xfrm>
-          </p:grpSpPr>
-          <p:sp>
-            <p:nvSpPr>
-              <p:cNvPr id="34" name="文本框 33"/>
-              <p:cNvSpPr txBox="1"/>
-              <p:nvPr/>
-            </p:nvSpPr>
-            <p:spPr>
-              <a:xfrm>
-                <a:off x="332538" y="3610564"/>
-                <a:ext cx="910827" cy="261610"/>
-              </a:xfrm>
-              <a:prstGeom prst="rect">
-                <a:avLst/>
-              </a:prstGeom>
-              <a:noFill/>
-            </p:spPr>
-            <p:txBody>
-              <a:bodyPr wrap="none" rtlCol="0">
-                <a:spAutoFit/>
-              </a:bodyPr>
-              <a:lstStyle/>
-              <a:p>
-                <a:r>
-                  <a:rPr lang="en-US" altLang="zh-CN" sz="1100" b="1">
-                    <a:solidFill>
-                      <a:schemeClr val="accent1">
-                        <a:lumMod val="75000"/>
-                      </a:schemeClr>
-                    </a:solidFill>
-                    <a:latin typeface="微软雅黑" panose="020B0503020204020204" pitchFamily="34" charset="-122"/>
-                    <a:ea typeface="微软雅黑" panose="020B0503020204020204" pitchFamily="34" charset="-122"/>
-                  </a:rPr>
-                  <a:t>Internship</a:t>
-                </a:r>
-                <a:endParaRPr lang="en-US" altLang="zh-CN" sz="1100" b="1">
-                  <a:solidFill>
-                    <a:schemeClr val="accent1">
-                      <a:lumMod val="75000"/>
-                    </a:schemeClr>
-                  </a:solidFill>
-                  <a:latin typeface="微软雅黑" panose="020B0503020204020204" pitchFamily="34" charset="-122"/>
-                  <a:ea typeface="微软雅黑" panose="020B0503020204020204" pitchFamily="34" charset="-122"/>
-                </a:endParaRPr>
-              </a:p>
-            </p:txBody>
-          </p:sp>
-          <p:cxnSp>
-            <p:nvCxnSpPr>
-              <p:cNvPr id="35" name="直接连接符 34"/>
-              <p:cNvCxnSpPr/>
-              <p:nvPr/>
-            </p:nvCxnSpPr>
-            <p:spPr>
-              <a:xfrm>
-                <a:off x="415088" y="3840424"/>
-                <a:ext cx="6053218" cy="0"/>
-              </a:xfrm>
-              <a:prstGeom prst="line">
-                <a:avLst/>
-              </a:prstGeom>
-            </p:spPr>
-            <p:style>
-              <a:lnRef idx="1">
-                <a:schemeClr val="accent1"/>
-              </a:lnRef>
-              <a:fillRef idx="0">
-                <a:schemeClr val="accent1"/>
-              </a:fillRef>
-              <a:effectRef idx="0">
-                <a:schemeClr val="accent1"/>
-              </a:effectRef>
-              <a:fontRef idx="minor">
-                <a:schemeClr val="tx1"/>
-              </a:fontRef>
-            </p:style>
-          </p:cxnSp>
-          <p:sp>
-            <p:nvSpPr>
-              <p:cNvPr id="36" name="文本框 35"/>
-              <p:cNvSpPr txBox="1"/>
-              <p:nvPr/>
-            </p:nvSpPr>
-            <p:spPr>
-              <a:xfrm>
-                <a:off x="332535" y="3845262"/>
-                <a:ext cx="6135765" cy="1314334"/>
-              </a:xfrm>
-              <a:prstGeom prst="rect">
-                <a:avLst/>
-              </a:prstGeom>
-              <a:noFill/>
-            </p:spPr>
-            <p:txBody>
-              <a:bodyPr wrap="square" rtlCol="0">
-                <a:spAutoFit/>
-              </a:bodyPr>
-              <a:lstStyle/>
-              <a:p>
-                <a:pPr marL="171450" indent="-171450">
-                  <a:lnSpc>
-                    <a:spcPct val="150000"/>
-                  </a:lnSpc>
-                  <a:buFont typeface="Arial" panose="020B0604020202020204" pitchFamily="34" charset="0"/>
-                  <a:buChar char="•"/>
-                </a:pPr>
-                <a:r>
-                  <a:rPr lang="en-US" altLang="zh-CN" sz="900" b="1">
-                    <a:latin typeface="微软雅黑" panose="020B0503020204020204" pitchFamily="34" charset="-122"/>
-                    <a:ea typeface="微软雅黑" panose="020B0503020204020204" pitchFamily="34" charset="-122"/>
-                  </a:rPr>
-                  <a:t>SenseTime, Shanghai      Algorithm Intern</a:t>
-                </a:r>
-                <a:endParaRPr lang="en-US" altLang="zh-CN" sz="900">
-                  <a:latin typeface="微软雅黑" panose="020B0503020204020204" pitchFamily="34" charset="-122"/>
-                  <a:ea typeface="微软雅黑" panose="020B0503020204020204" pitchFamily="34" charset="-122"/>
-                </a:endParaRPr>
-              </a:p>
-              <a:p>
-                <a:pPr>
-                  <a:lnSpc>
-                    <a:spcPct val="150000"/>
-                  </a:lnSpc>
-                </a:pPr>
-                <a:r>
-                  <a:rPr lang="en-US" altLang="zh-CN" sz="900">
-                    <a:latin typeface="微软雅黑" panose="020B0503020204020204" pitchFamily="34" charset="-122"/>
-                    <a:ea typeface="微软雅黑" panose="020B0503020204020204" pitchFamily="34" charset="-122"/>
-                  </a:rPr>
-                  <a:t>Acted as an algorithm intern, participated in the development of SenseTime</a:t>
-                </a:r>
-                <a:r>
-                  <a:rPr lang="en-US" altLang="zh-CN" sz="900">
-                    <a:latin typeface="Corbel" panose="020B0503020204020204" pitchFamily="34" charset="0"/>
-                    <a:ea typeface="微软雅黑" panose="020B0503020204020204" pitchFamily="34" charset="-122"/>
-                    <a:cs typeface="Arial" panose="020B0604020202020204" pitchFamily="34" charset="0"/>
-                  </a:rPr>
-                  <a:t>’</a:t>
-                </a:r>
-                <a:r>
-                  <a:rPr lang="en-US" altLang="zh-CN" sz="900">
-                    <a:latin typeface="微软雅黑" panose="020B0503020204020204" pitchFamily="34" charset="-122"/>
-                    <a:ea typeface="微软雅黑" panose="020B0503020204020204" pitchFamily="34" charset="-122"/>
-                  </a:rPr>
-                  <a:t>s Progressive Care System, and designed models to achieve accurate analysis of patients</a:t>
-                </a:r>
-                <a:r>
-                  <a:rPr lang="en-US" altLang="zh-CN" sz="900">
-                    <a:latin typeface="Corbel" panose="020B0503020204020204" pitchFamily="34" charset="0"/>
-                    <a:ea typeface="微软雅黑" panose="020B0503020204020204" pitchFamily="34" charset="-122"/>
-                    <a:cs typeface="Arial" panose="020B0604020202020204" pitchFamily="34" charset="0"/>
-                  </a:rPr>
-                  <a:t>’</a:t>
-                </a:r>
-                <a:r>
-                  <a:rPr lang="en-US" altLang="zh-CN" sz="900">
-                    <a:latin typeface="微软雅黑" panose="020B0503020204020204" pitchFamily="34" charset="-122"/>
-                    <a:ea typeface="微软雅黑" panose="020B0503020204020204" pitchFamily="34" charset="-122"/>
-                  </a:rPr>
-                  <a:t> sleep quality based on monitored indicators.</a:t>
-                </a:r>
-                <a:endParaRPr lang="en-US" altLang="zh-CN" sz="900">
-                  <a:latin typeface="微软雅黑" panose="020B0503020204020204" pitchFamily="34" charset="-122"/>
-                  <a:ea typeface="微软雅黑" panose="020B0503020204020204" pitchFamily="34" charset="-122"/>
-                </a:endParaRPr>
-              </a:p>
-              <a:p>
-                <a:pPr marL="171450" indent="-171450">
-                  <a:lnSpc>
-                    <a:spcPct val="150000"/>
-                  </a:lnSpc>
-                  <a:buFont typeface="Arial" panose="020B0604020202020204" pitchFamily="34" charset="0"/>
-                  <a:buChar char="•"/>
-                </a:pPr>
-                <a:r>
-                  <a:rPr lang="en-US" altLang="zh-CN" sz="900" b="1">
-                    <a:latin typeface="微软雅黑" panose="020B0503020204020204" pitchFamily="34" charset="-122"/>
-                    <a:ea typeface="微软雅黑" panose="020B0503020204020204" pitchFamily="34" charset="-122"/>
-                  </a:rPr>
-                  <a:t>ByteDance, Beijing      Front-end Intern</a:t>
-                </a:r>
-                <a:endParaRPr lang="en-US" altLang="zh-CN" sz="900" b="1">
-                  <a:latin typeface="微软雅黑" panose="020B0503020204020204" pitchFamily="34" charset="-122"/>
-                  <a:ea typeface="微软雅黑" panose="020B0503020204020204" pitchFamily="34" charset="-122"/>
-                </a:endParaRPr>
-              </a:p>
-              <a:p>
-                <a:pPr marL="0" marR="0" lvl="0" indent="0" algn="l" defTabSz="457200" rtl="0" eaLnBrk="1" fontAlgn="auto" latinLnBrk="0" hangingPunct="1">
-                  <a:lnSpc>
-                    <a:spcPct val="150000"/>
-                  </a:lnSpc>
-                  <a:spcBef>
-                    <a:spcPts val="0"/>
-                  </a:spcBef>
-                  <a:spcAft>
-                    <a:spcPts val="0"/>
-                  </a:spcAft>
-                  <a:buClrTx/>
-                  <a:buSzTx/>
-                  <a:buFontTx/>
-                  <a:buNone/>
-                  <a:defRPr/>
-                </a:pPr>
-                <a:r>
-                  <a:rPr kumimoji="0" lang="en-US" altLang="zh-CN" sz="900" b="0" i="0" u="none" strike="noStrike" kern="1200" cap="none" spc="0" normalizeH="0" baseline="0" noProof="0">
-                    <a:ln>
-                      <a:noFill/>
-                    </a:ln>
-                    <a:solidFill>
-                      <a:prstClr val="black"/>
-                    </a:solidFill>
-                    <a:effectLst/>
-                    <a:uLnTx/>
-                    <a:uFillTx/>
-                    <a:latin typeface="微软雅黑" panose="020B0503020204020204" pitchFamily="34" charset="-122"/>
-                    <a:ea typeface="微软雅黑" panose="020B0503020204020204" pitchFamily="34" charset="-122"/>
-                  </a:rPr>
-                  <a:t>Acted as a front-end intern, participated in the development of a public welfare project group of ByteDance, and rated </a:t>
-                </a:r>
-                <a:r>
-                  <a:rPr kumimoji="0" lang="en-US" altLang="zh-CN" sz="900" b="0" i="0" u="sng" strike="noStrike" kern="1200" cap="none" spc="0" normalizeH="0" baseline="0" noProof="0">
-                    <a:ln>
-                      <a:noFill/>
-                    </a:ln>
-                    <a:solidFill>
-                      <a:prstClr val="black"/>
-                    </a:solidFill>
-                    <a:effectLst/>
-                    <a:uLnTx/>
-                    <a:uFillTx/>
-                    <a:latin typeface="微软雅黑" panose="020B0503020204020204" pitchFamily="34" charset="-122"/>
-                    <a:ea typeface="微软雅黑" panose="020B0503020204020204" pitchFamily="34" charset="-122"/>
-                  </a:rPr>
-                  <a:t>Excellent</a:t>
-                </a:r>
-                <a:r>
-                  <a:rPr kumimoji="0" lang="en-US" altLang="zh-CN" sz="900" b="0" i="0" u="none" strike="noStrike" kern="1200" cap="none" spc="0" normalizeH="0" baseline="0" noProof="0">
-                    <a:ln>
-                      <a:noFill/>
-                    </a:ln>
-                    <a:solidFill>
-                      <a:prstClr val="black"/>
-                    </a:solidFill>
-                    <a:effectLst/>
-                    <a:uLnTx/>
-                    <a:uFillTx/>
-                    <a:latin typeface="微软雅黑" panose="020B0503020204020204" pitchFamily="34" charset="-122"/>
-                    <a:ea typeface="微软雅黑" panose="020B0503020204020204" pitchFamily="34" charset="-122"/>
-                  </a:rPr>
-                  <a:t>.</a:t>
-                </a:r>
-                <a:endParaRPr kumimoji="0" lang="en-US" altLang="zh-CN" sz="900" b="0" i="0" u="none" strike="noStrike" kern="1200" cap="none" spc="0" normalizeH="0" baseline="0" noProof="0">
-                  <a:ln>
-                    <a:noFill/>
-                  </a:ln>
-                  <a:solidFill>
-                    <a:prstClr val="black"/>
-                  </a:solidFill>
-                  <a:effectLst/>
-                  <a:uLnTx/>
-                  <a:uFillTx/>
-                  <a:latin typeface="微软雅黑" panose="020B0503020204020204" pitchFamily="34" charset="-122"/>
-                  <a:ea typeface="微软雅黑" panose="020B0503020204020204" pitchFamily="34" charset="-122"/>
-                </a:endParaRPr>
-              </a:p>
-            </p:txBody>
-          </p:sp>
-        </p:grpSp>
         <p:sp>
           <p:nvSpPr>
-            <p:cNvPr id="32" name="文本框 31"/>
+            <p:cNvPr id="47" name="文本框 46"/>
             <p:cNvSpPr txBox="1"/>
             <p:nvPr/>
           </p:nvSpPr>
           <p:spPr>
             <a:xfrm>
-              <a:off x="-1688292" y="6778670"/>
-              <a:ext cx="1198880" cy="230832"/>
+              <a:off x="332538" y="3610564"/>
+              <a:ext cx="819455" cy="261610"/>
             </a:xfrm>
             <a:prstGeom prst="rect">
               <a:avLst/>
@@ -7199,36 +7008,75 @@
             <a:noFill/>
           </p:spPr>
           <p:txBody>
-            <a:bodyPr wrap="square">
+            <a:bodyPr wrap="none" rtlCol="0">
               <a:spAutoFit/>
             </a:bodyPr>
             <a:lstStyle/>
             <a:p>
-              <a:pPr algn="r"/>
-              <a:r>
-                <a:rPr lang="en-US" altLang="zh-CN" sz="900" b="1">
-                  <a:latin typeface="微软雅黑" panose="020B0503020204020204" pitchFamily="34" charset="-122"/>
-                  <a:ea typeface="微软雅黑" panose="020B0503020204020204" pitchFamily="34" charset="-122"/>
-                </a:rPr>
-                <a:t>08/2020-12/2020</a:t>
-              </a:r>
-              <a:endParaRPr lang="zh-CN" altLang="en-US" sz="900" b="1">
+              <a:r>
+                <a:rPr lang="en-US" altLang="zh-CN" sz="1100" b="1" dirty="0">
+                  <a:solidFill>
+                    <a:schemeClr val="accent1">
+                      <a:lumMod val="75000"/>
+                    </a:schemeClr>
+                  </a:solidFill>
+                  <a:latin typeface="微软雅黑" panose="020B0503020204020204" pitchFamily="34" charset="-122"/>
+                  <a:ea typeface="微软雅黑" panose="020B0503020204020204" pitchFamily="34" charset="-122"/>
+                </a:rPr>
+                <a:t>Research</a:t>
+              </a:r>
+              <a:endParaRPr lang="en-US" altLang="zh-CN" sz="1100" b="1" dirty="0">
+                <a:solidFill>
+                  <a:schemeClr val="accent1">
+                    <a:lumMod val="75000"/>
+                  </a:schemeClr>
+                </a:solidFill>
                 <a:latin typeface="微软雅黑" panose="020B0503020204020204" pitchFamily="34" charset="-122"/>
                 <a:ea typeface="微软雅黑" panose="020B0503020204020204" pitchFamily="34" charset="-122"/>
               </a:endParaRPr>
             </a:p>
           </p:txBody>
         </p:sp>
+        <p:cxnSp>
+          <p:nvCxnSpPr>
+            <p:cNvPr id="48" name="直接连接符 47"/>
+            <p:cNvCxnSpPr/>
+            <p:nvPr/>
+          </p:nvCxnSpPr>
+          <p:spPr>
+            <a:xfrm>
+              <a:off x="415088" y="3840424"/>
+              <a:ext cx="6053218" cy="0"/>
+            </a:xfrm>
+            <a:prstGeom prst="line">
+              <a:avLst/>
+            </a:prstGeom>
+          </p:spPr>
+          <p:style>
+            <a:lnRef idx="1">
+              <a:schemeClr val="accent1"/>
+            </a:lnRef>
+            <a:fillRef idx="0">
+              <a:schemeClr val="accent1"/>
+            </a:fillRef>
+            <a:effectRef idx="0">
+              <a:schemeClr val="accent1"/>
+            </a:effectRef>
+            <a:fontRef idx="minor">
+              <a:schemeClr val="tx1"/>
+            </a:fontRef>
+          </p:style>
+        </p:cxnSp>
         <p:sp>
           <p:nvSpPr>
-            <p:cNvPr id="33" name="文本框 32"/>
+            <p:cNvPr id="49" name="文本框 48"/>
             <p:cNvSpPr txBox="1"/>
             <p:nvPr/>
           </p:nvSpPr>
           <p:spPr>
             <a:xfrm>
-              <a:off x="-1693099" y="7392641"/>
-              <a:ext cx="1198880" cy="230832"/>
+              <a:off x="332535" y="3840424"/>
+              <a:ext cx="6213439" cy="2237672"/>
             </a:xfrm>
             <a:prstGeom prst="rect">
               <a:avLst/>
@@ -7236,20 +7084,181 @@
             <a:noFill/>
           </p:spPr>
           <p:txBody>
-            <a:bodyPr wrap="square">
+            <a:bodyPr wrap="square" rtlCol="0">
               <a:spAutoFit/>
             </a:bodyPr>
             <a:lstStyle/>
             <a:p>
-              <a:pPr algn="r"/>
+              <a:pPr>
+                <a:lnSpc>
+                  <a:spcPct val="150000"/>
+                </a:lnSpc>
+              </a:pPr>
               <a:r>
                 <a:rPr lang="en-US" altLang="zh-CN" sz="900" b="1">
                   <a:latin typeface="微软雅黑" panose="020B0503020204020204" pitchFamily="34" charset="-122"/>
                   <a:ea typeface="微软雅黑" panose="020B0503020204020204" pitchFamily="34" charset="-122"/>
                 </a:rPr>
-                <a:t>07/2020-08/2020</a:t>
-              </a:r>
-              <a:endParaRPr lang="zh-CN" altLang="en-US" sz="900" b="1">
+                <a:t>AlexViT: Novel Diabetic Retinopathy Image Classification, 2023 IEEE ICETCI, </a:t>
+              </a:r>
+              <a:r>
+                <a:rPr lang="en-US" altLang="zh-CN" sz="900" b="1">
+                  <a:latin typeface="微软雅黑" panose="020B0503020204020204" pitchFamily="34" charset="-122"/>
+                  <a:ea typeface="微软雅黑" panose="020B0503020204020204" pitchFamily="34" charset="-122"/>
+                  <a:sym typeface="+mn-ea"/>
+                </a:rPr>
+                <a:t>Yihui Yan</a:t>
+              </a:r>
+              <a:endParaRPr lang="en-US" altLang="zh-CN" sz="900" b="1">
+                <a:latin typeface="微软雅黑" panose="020B0503020204020204" pitchFamily="34" charset="-122"/>
+                <a:ea typeface="微软雅黑" panose="020B0503020204020204" pitchFamily="34" charset="-122"/>
+                <a:sym typeface="+mn-ea"/>
+              </a:endParaRPr>
+            </a:p>
+            <a:p>
+              <a:pPr>
+                <a:lnSpc>
+                  <a:spcPct val="150000"/>
+                </a:lnSpc>
+              </a:pPr>
+              <a:r>
+                <a:rPr lang="en-US" altLang="zh-CN" sz="900" dirty="0">
+                  <a:latin typeface="微软雅黑" panose="020B0503020204020204" pitchFamily="34" charset="-122"/>
+                  <a:ea typeface="微软雅黑" panose="020B0503020204020204" pitchFamily="34" charset="-122"/>
+                  <a:sym typeface="+mn-ea"/>
+                </a:rPr>
+                <a:t>Dr.Zhang's Research Team, Computer Vision, </a:t>
+              </a:r>
+              <a:r>
+                <a:rPr lang="en-US" altLang="zh-CN" sz="900">
+                  <a:latin typeface="微软雅黑" panose="020B0503020204020204" pitchFamily="34" charset="-122"/>
+                  <a:ea typeface="微软雅黑" panose="020B0503020204020204" pitchFamily="34" charset="-122"/>
+                  <a:sym typeface="+mn-ea"/>
+                </a:rPr>
+                <a:t>Xidian University</a:t>
+              </a:r>
+              <a:endParaRPr lang="en-US" altLang="zh-CN" sz="900">
+                <a:latin typeface="微软雅黑" panose="020B0503020204020204" pitchFamily="34" charset="-122"/>
+                <a:ea typeface="微软雅黑" panose="020B0503020204020204" pitchFamily="34" charset="-122"/>
+              </a:endParaRPr>
+            </a:p>
+            <a:p>
+              <a:pPr>
+                <a:lnSpc>
+                  <a:spcPct val="150000"/>
+                </a:lnSpc>
+              </a:pPr>
+              <a:r>
+                <a:rPr lang="en-US" altLang="zh-CN" sz="800" dirty="0">
+                  <a:solidFill>
+                    <a:schemeClr val="tx1">
+                      <a:lumMod val="65000"/>
+                      <a:lumOff val="35000"/>
+                    </a:schemeClr>
+                  </a:solidFill>
+                  <a:latin typeface="微软雅黑" panose="020B0503020204020204" pitchFamily="34" charset="-122"/>
+                  <a:ea typeface="微软雅黑" panose="020B0503020204020204" pitchFamily="34" charset="-122"/>
+                </a:rPr>
+                <a:t>This paper combines the ViT (Vision Transformer) architecture, which has achieved remarkable results in image recognition, with the classic convolutional neural network AlexNet to propose a new model for the grading diagnosis of diabetic retinopathy.</a:t>
+              </a:r>
+              <a:endParaRPr lang="en-US" altLang="zh-CN" sz="800" dirty="0">
+                <a:solidFill>
+                  <a:schemeClr val="tx1">
+                    <a:lumMod val="65000"/>
+                    <a:lumOff val="35000"/>
+                  </a:schemeClr>
+                </a:solidFill>
+                <a:latin typeface="微软雅黑" panose="020B0503020204020204" pitchFamily="34" charset="-122"/>
+                <a:ea typeface="微软雅黑" panose="020B0503020204020204" pitchFamily="34" charset="-122"/>
+              </a:endParaRPr>
+            </a:p>
+            <a:p>
+              <a:pPr>
+                <a:lnSpc>
+                  <a:spcPct val="150000"/>
+                </a:lnSpc>
+              </a:pPr>
+              <a:r>
+                <a:rPr lang="en-US" altLang="zh-CN" sz="900" b="1" dirty="0">
+                  <a:latin typeface="微软雅黑" panose="020B0503020204020204" pitchFamily="34" charset="-122"/>
+                  <a:ea typeface="微软雅黑" panose="020B0503020204020204" pitchFamily="34" charset="-122"/>
+                </a:rPr>
+                <a:t>[Work in Progress] ATMAPPO: A MARL-Based Multi-UAV MEC Framework with NOMA for Edge Computing Optimization, </a:t>
+              </a:r>
+              <a:r>
+                <a:rPr lang="en-US" altLang="zh-CN" sz="900" b="1" dirty="0">
+                  <a:latin typeface="微软雅黑" panose="020B0503020204020204" pitchFamily="34" charset="-122"/>
+                  <a:ea typeface="微软雅黑" panose="020B0503020204020204" pitchFamily="34" charset="-122"/>
+                  <a:sym typeface="+mn-ea"/>
+                </a:rPr>
+                <a:t>IEEE Internet of Things Journal, </a:t>
+              </a:r>
+              <a:r>
+                <a:rPr lang="en-US" altLang="zh-CN" sz="900" b="1" dirty="0">
+                  <a:latin typeface="微软雅黑" panose="020B0503020204020204" pitchFamily="34" charset="-122"/>
+                  <a:ea typeface="微软雅黑" panose="020B0503020204020204" pitchFamily="34" charset="-122"/>
+                  <a:sym typeface="+mn-ea"/>
+                </a:rPr>
+                <a:t>Yihui Yan, Huimin Cao, et al,</a:t>
+              </a:r>
+              <a:endParaRPr lang="en-US" altLang="zh-CN" sz="900" b="1" dirty="0">
+                <a:latin typeface="微软雅黑" panose="020B0503020204020204" pitchFamily="34" charset="-122"/>
+                <a:ea typeface="微软雅黑" panose="020B0503020204020204" pitchFamily="34" charset="-122"/>
+              </a:endParaRPr>
+            </a:p>
+            <a:p>
+              <a:pPr>
+                <a:lnSpc>
+                  <a:spcPct val="150000"/>
+                </a:lnSpc>
+              </a:pPr>
+              <a:r>
+                <a:rPr lang="en-US" altLang="zh-CN" sz="900" dirty="0">
+                  <a:latin typeface="微软雅黑" panose="020B0503020204020204" pitchFamily="34" charset="-122"/>
+                  <a:ea typeface="微软雅黑" panose="020B0503020204020204" pitchFamily="34" charset="-122"/>
+                  <a:sym typeface="+mn-ea"/>
+                </a:rPr>
+                <a:t>Department of Embedded and Intelligent Systems, Edge Computing, </a:t>
+              </a:r>
+              <a:r>
+                <a:rPr lang="en-US" altLang="zh-CN" sz="900" b="1" dirty="0">
+                  <a:latin typeface="微软雅黑" panose="020B0503020204020204" pitchFamily="34" charset="-122"/>
+                  <a:ea typeface="微软雅黑" panose="020B0503020204020204" pitchFamily="34" charset="-122"/>
+                  <a:sym typeface="+mn-ea"/>
+                </a:rPr>
+                <a:t>East China Normal University,</a:t>
+              </a:r>
+              <a:endParaRPr lang="en-US" altLang="zh-CN" sz="900" dirty="0">
+                <a:latin typeface="微软雅黑" panose="020B0503020204020204" pitchFamily="34" charset="-122"/>
+                <a:ea typeface="微软雅黑" panose="020B0503020204020204" pitchFamily="34" charset="-122"/>
+              </a:endParaRPr>
+            </a:p>
+            <a:p>
+              <a:pPr>
+                <a:lnSpc>
+                  <a:spcPct val="150000"/>
+                </a:lnSpc>
+              </a:pPr>
+              <a:r>
+                <a:rPr lang="en-US" altLang="zh-CN" sz="800" dirty="0">
+                  <a:solidFill>
+                    <a:schemeClr val="tx1">
+                      <a:lumMod val="65000"/>
+                      <a:lumOff val="35000"/>
+                    </a:schemeClr>
+                  </a:solidFill>
+                  <a:latin typeface="微软雅黑" panose="020B0503020204020204" pitchFamily="34" charset="-122"/>
+                  <a:ea typeface="微软雅黑" panose="020B0503020204020204" pitchFamily="34" charset="-122"/>
+                </a:rPr>
+                <a:t>This paper presents a NOMA-based multi-UAV edge computing system. Using multi-agent reinforcement learning, it optimizes task offloading, resource allocation, and trajectory control to minimize latency and energy consumption, enhancing UAV-user collaboration in dynamic environments.</a:t>
+              </a:r>
+              <a:endParaRPr lang="en-US" altLang="zh-CN" sz="800" dirty="0">
+                <a:solidFill>
+                  <a:schemeClr val="tx1">
+                    <a:lumMod val="65000"/>
+                    <a:lumOff val="35000"/>
+                  </a:schemeClr>
+                </a:solidFill>
                 <a:latin typeface="微软雅黑" panose="020B0503020204020204" pitchFamily="34" charset="-122"/>
                 <a:ea typeface="微软雅黑" panose="020B0503020204020204" pitchFamily="34" charset="-122"/>
               </a:endParaRPr>
@@ -7257,1025 +7266,31 @@
           </p:txBody>
         </p:sp>
       </p:grpSp>
-      <p:grpSp>
-        <p:nvGrpSpPr>
-          <p:cNvPr id="37" name="组合 36"/>
-          <p:cNvGrpSpPr/>
+      <p:pic>
+        <p:nvPicPr>
+          <p:cNvPr id="3" name="图片 2" descr="C:/Users/18035/Pictures/证件照/yyh证件照.jpgyyh证件照"/>
+          <p:cNvPicPr>
+            <a:picLocks noChangeAspect="1"/>
+          </p:cNvPicPr>
           <p:nvPr/>
-        </p:nvGrpSpPr>
-        <p:grpSpPr>
+        </p:nvPicPr>
+        <p:blipFill>
+          <a:blip r:embed="rId1"/>
+          <a:srcRect t="2721" b="13382"/>
+          <a:stretch>
+            <a:fillRect/>
+          </a:stretch>
+        </p:blipFill>
+        <p:spPr>
           <a:xfrm>
-            <a:off x="322272" y="7394603"/>
-            <a:ext cx="6135771" cy="713197"/>
-            <a:chOff x="-6615932" y="7326983"/>
-            <a:chExt cx="6135771" cy="713197"/>
+            <a:off x="5466715" y="412750"/>
+            <a:ext cx="997585" cy="1224280"/>
           </a:xfrm>
-        </p:grpSpPr>
-        <p:grpSp>
-          <p:nvGrpSpPr>
-            <p:cNvPr id="38" name="组合 37"/>
-            <p:cNvGrpSpPr/>
-            <p:nvPr/>
-          </p:nvGrpSpPr>
-          <p:grpSpPr>
-            <a:xfrm>
-              <a:off x="-6615932" y="7326983"/>
-              <a:ext cx="6135771" cy="713197"/>
-              <a:chOff x="332533" y="3610564"/>
-              <a:chExt cx="6135773" cy="713197"/>
-            </a:xfrm>
-          </p:grpSpPr>
-          <p:sp>
-            <p:nvSpPr>
-              <p:cNvPr id="40" name="文本框 39"/>
-              <p:cNvSpPr txBox="1"/>
-              <p:nvPr/>
-            </p:nvSpPr>
-            <p:spPr>
-              <a:xfrm>
-                <a:off x="332538" y="3610564"/>
-                <a:ext cx="753732" cy="261610"/>
-              </a:xfrm>
-              <a:prstGeom prst="rect">
-                <a:avLst/>
-              </a:prstGeom>
-              <a:noFill/>
-            </p:spPr>
-            <p:txBody>
-              <a:bodyPr wrap="none" rtlCol="0">
-                <a:spAutoFit/>
-              </a:bodyPr>
-              <a:lstStyle/>
-              <a:p>
-                <a:r>
-                  <a:rPr lang="en-US" altLang="zh-CN" sz="1100" b="1">
-                    <a:solidFill>
-                      <a:schemeClr val="accent1">
-                        <a:lumMod val="75000"/>
-                      </a:schemeClr>
-                    </a:solidFill>
-                    <a:latin typeface="微软雅黑" panose="020B0503020204020204" pitchFamily="34" charset="-122"/>
-                    <a:ea typeface="微软雅黑" panose="020B0503020204020204" pitchFamily="34" charset="-122"/>
-                  </a:rPr>
-                  <a:t>Projects</a:t>
-                </a:r>
-                <a:endParaRPr lang="en-US" altLang="zh-CN" sz="1100" b="1">
-                  <a:solidFill>
-                    <a:schemeClr val="accent1">
-                      <a:lumMod val="75000"/>
-                    </a:schemeClr>
-                  </a:solidFill>
-                  <a:latin typeface="微软雅黑" panose="020B0503020204020204" pitchFamily="34" charset="-122"/>
-                  <a:ea typeface="微软雅黑" panose="020B0503020204020204" pitchFamily="34" charset="-122"/>
-                </a:endParaRPr>
-              </a:p>
-            </p:txBody>
-          </p:sp>
-          <p:cxnSp>
-            <p:nvCxnSpPr>
-              <p:cNvPr id="41" name="直接连接符 40"/>
-              <p:cNvCxnSpPr/>
-              <p:nvPr/>
-            </p:nvCxnSpPr>
-            <p:spPr>
-              <a:xfrm>
-                <a:off x="415088" y="3840424"/>
-                <a:ext cx="6053218" cy="0"/>
-              </a:xfrm>
-              <a:prstGeom prst="line">
-                <a:avLst/>
-              </a:prstGeom>
-            </p:spPr>
-            <p:style>
-              <a:lnRef idx="1">
-                <a:schemeClr val="accent1"/>
-              </a:lnRef>
-              <a:fillRef idx="0">
-                <a:schemeClr val="accent1"/>
-              </a:fillRef>
-              <a:effectRef idx="0">
-                <a:schemeClr val="accent1"/>
-              </a:effectRef>
-              <a:fontRef idx="minor">
-                <a:schemeClr val="tx1"/>
-              </a:fontRef>
-            </p:style>
-          </p:cxnSp>
-          <p:sp>
-            <p:nvSpPr>
-              <p:cNvPr id="42" name="文本框 41"/>
-              <p:cNvSpPr txBox="1"/>
-              <p:nvPr/>
-            </p:nvSpPr>
-            <p:spPr>
-              <a:xfrm>
-                <a:off x="332533" y="3840424"/>
-                <a:ext cx="6135765" cy="483337"/>
-              </a:xfrm>
-              <a:prstGeom prst="rect">
-                <a:avLst/>
-              </a:prstGeom>
-              <a:noFill/>
-            </p:spPr>
-            <p:txBody>
-              <a:bodyPr wrap="square" rtlCol="0">
-                <a:spAutoFit/>
-              </a:bodyPr>
-              <a:lstStyle/>
-              <a:p>
-                <a:pPr marL="171450" indent="-171450">
-                  <a:lnSpc>
-                    <a:spcPct val="150000"/>
-                  </a:lnSpc>
-                  <a:buFont typeface="Arial" panose="020B0604020202020204" pitchFamily="34" charset="0"/>
-                  <a:buChar char="•"/>
-                </a:pPr>
-                <a:r>
-                  <a:rPr lang="en-US" altLang="zh-CN" sz="900" b="1">
-                    <a:latin typeface="微软雅黑" panose="020B0503020204020204" pitchFamily="34" charset="-122"/>
-                    <a:ea typeface="微软雅黑" panose="020B0503020204020204" pitchFamily="34" charset="-122"/>
-                  </a:rPr>
-                  <a:t>Summer Camp for Tencent Cloud Developer</a:t>
-                </a:r>
-                <a:endParaRPr lang="en-US" altLang="zh-CN" sz="900" b="1" i="1">
-                  <a:latin typeface="微软雅黑" panose="020B0503020204020204" pitchFamily="34" charset="-122"/>
-                  <a:ea typeface="微软雅黑" panose="020B0503020204020204" pitchFamily="34" charset="-122"/>
-                </a:endParaRPr>
-              </a:p>
-              <a:p>
-                <a:pPr>
-                  <a:lnSpc>
-                    <a:spcPct val="150000"/>
-                  </a:lnSpc>
-                </a:pPr>
-                <a:r>
-                  <a:rPr lang="en-US" altLang="zh-CN" sz="900">
-                    <a:latin typeface="微软雅黑" panose="020B0503020204020204" pitchFamily="34" charset="-122"/>
-                    <a:ea typeface="微软雅黑" panose="020B0503020204020204" pitchFamily="34" charset="-122"/>
-                  </a:rPr>
-                  <a:t>Participated in cloud development of WeChat mini apps,</a:t>
-                </a:r>
-                <a:r>
-                  <a:rPr lang="zh-CN" altLang="en-US" sz="900">
-                    <a:latin typeface="微软雅黑" panose="020B0503020204020204" pitchFamily="34" charset="-122"/>
-                    <a:ea typeface="微软雅黑" panose="020B0503020204020204" pitchFamily="34" charset="-122"/>
-                  </a:rPr>
-                  <a:t> </a:t>
-                </a:r>
-                <a:r>
-                  <a:rPr lang="en-US" altLang="zh-CN" sz="900">
-                    <a:latin typeface="微软雅黑" panose="020B0503020204020204" pitchFamily="34" charset="-122"/>
-                    <a:ea typeface="微软雅黑" panose="020B0503020204020204" pitchFamily="34" charset="-122"/>
-                  </a:rPr>
-                  <a:t>and was awarded </a:t>
-                </a:r>
-                <a:r>
-                  <a:rPr lang="en-US" altLang="zh-CN" sz="900" u="sng">
-                    <a:latin typeface="微软雅黑" panose="020B0503020204020204" pitchFamily="34" charset="-122"/>
-                    <a:ea typeface="微软雅黑" panose="020B0503020204020204" pitchFamily="34" charset="-122"/>
-                  </a:rPr>
-                  <a:t>Outstanding Camper</a:t>
-                </a:r>
-                <a:r>
-                  <a:rPr lang="en-US" altLang="zh-CN" sz="900">
-                    <a:latin typeface="微软雅黑" panose="020B0503020204020204" pitchFamily="34" charset="-122"/>
-                    <a:ea typeface="微软雅黑" panose="020B0503020204020204" pitchFamily="34" charset="-122"/>
-                  </a:rPr>
-                  <a:t> (5%).</a:t>
-                </a:r>
-                <a:endParaRPr lang="en-US" altLang="zh-CN" sz="900">
-                  <a:latin typeface="微软雅黑" panose="020B0503020204020204" pitchFamily="34" charset="-122"/>
-                  <a:ea typeface="微软雅黑" panose="020B0503020204020204" pitchFamily="34" charset="-122"/>
-                </a:endParaRPr>
-              </a:p>
-            </p:txBody>
-          </p:sp>
-        </p:grpSp>
-        <p:sp>
-          <p:nvSpPr>
-            <p:cNvPr id="39" name="文本框 38"/>
-            <p:cNvSpPr txBox="1"/>
-            <p:nvPr/>
-          </p:nvSpPr>
-          <p:spPr>
-            <a:xfrm>
-              <a:off x="-1685989" y="7602331"/>
-              <a:ext cx="1198880" cy="230832"/>
-            </a:xfrm>
-            <a:prstGeom prst="rect">
-              <a:avLst/>
-            </a:prstGeom>
-            <a:noFill/>
-          </p:spPr>
-          <p:txBody>
-            <a:bodyPr wrap="square">
-              <a:spAutoFit/>
-            </a:bodyPr>
-            <a:lstStyle/>
-            <a:p>
-              <a:pPr algn="r"/>
-              <a:r>
-                <a:rPr lang="en-US" altLang="zh-CN" sz="900" b="1">
-                  <a:latin typeface="微软雅黑" panose="020B0503020204020204" pitchFamily="34" charset="-122"/>
-                  <a:ea typeface="微软雅黑" panose="020B0503020204020204" pitchFamily="34" charset="-122"/>
-                </a:rPr>
-                <a:t>05/2020</a:t>
-              </a:r>
-              <a:endParaRPr lang="zh-CN" altLang="en-US" sz="900" b="1">
-                <a:latin typeface="微软雅黑" panose="020B0503020204020204" pitchFamily="34" charset="-122"/>
-                <a:ea typeface="微软雅黑" panose="020B0503020204020204" pitchFamily="34" charset="-122"/>
-              </a:endParaRPr>
-            </a:p>
-          </p:txBody>
-        </p:sp>
-      </p:grpSp>
-      <p:grpSp>
-        <p:nvGrpSpPr>
-          <p:cNvPr id="2" name="组合 1"/>
-          <p:cNvGrpSpPr/>
-          <p:nvPr/>
-        </p:nvGrpSpPr>
-        <p:grpSpPr>
-          <a:xfrm>
-            <a:off x="322280" y="3544725"/>
-            <a:ext cx="6213437" cy="2282858"/>
-            <a:chOff x="322280" y="3351074"/>
-            <a:chExt cx="6213437" cy="2282858"/>
-          </a:xfrm>
-        </p:grpSpPr>
-        <p:grpSp>
-          <p:nvGrpSpPr>
-            <p:cNvPr id="43" name="组合 42"/>
-            <p:cNvGrpSpPr/>
-            <p:nvPr/>
-          </p:nvGrpSpPr>
-          <p:grpSpPr>
-            <a:xfrm>
-              <a:off x="322280" y="3351074"/>
-              <a:ext cx="6213437" cy="2282858"/>
-              <a:chOff x="-6611164" y="4229558"/>
-              <a:chExt cx="6213437" cy="2282858"/>
-            </a:xfrm>
-          </p:grpSpPr>
-          <p:grpSp>
-            <p:nvGrpSpPr>
-              <p:cNvPr id="44" name="组合 43"/>
-              <p:cNvGrpSpPr/>
-              <p:nvPr/>
-            </p:nvGrpSpPr>
-            <p:grpSpPr>
-              <a:xfrm>
-                <a:off x="-6611164" y="4229558"/>
-                <a:ext cx="6213437" cy="2282858"/>
-                <a:chOff x="332535" y="3610564"/>
-                <a:chExt cx="6213439" cy="2282858"/>
-              </a:xfrm>
-            </p:grpSpPr>
-            <p:sp>
-              <p:nvSpPr>
-                <p:cNvPr id="47" name="文本框 46"/>
-                <p:cNvSpPr txBox="1"/>
-                <p:nvPr/>
-              </p:nvSpPr>
-              <p:spPr>
-                <a:xfrm>
-                  <a:off x="332538" y="3610564"/>
-                  <a:ext cx="819455" cy="261610"/>
-                </a:xfrm>
-                <a:prstGeom prst="rect">
-                  <a:avLst/>
-                </a:prstGeom>
-                <a:noFill/>
-              </p:spPr>
-              <p:txBody>
-                <a:bodyPr wrap="none" rtlCol="0">
-                  <a:spAutoFit/>
-                </a:bodyPr>
-                <a:lstStyle/>
-                <a:p>
-                  <a:r>
-                    <a:rPr lang="en-US" altLang="zh-CN" sz="1100" b="1" dirty="0">
-                      <a:solidFill>
-                        <a:schemeClr val="accent1">
-                          <a:lumMod val="75000"/>
-                        </a:schemeClr>
-                      </a:solidFill>
-                      <a:latin typeface="微软雅黑" panose="020B0503020204020204" pitchFamily="34" charset="-122"/>
-                      <a:ea typeface="微软雅黑" panose="020B0503020204020204" pitchFamily="34" charset="-122"/>
-                    </a:rPr>
-                    <a:t>Research</a:t>
-                  </a:r>
-                  <a:endParaRPr lang="en-US" altLang="zh-CN" sz="1100" b="1" dirty="0">
-                    <a:solidFill>
-                      <a:schemeClr val="accent1">
-                        <a:lumMod val="75000"/>
-                      </a:schemeClr>
-                    </a:solidFill>
-                    <a:latin typeface="微软雅黑" panose="020B0503020204020204" pitchFamily="34" charset="-122"/>
-                    <a:ea typeface="微软雅黑" panose="020B0503020204020204" pitchFamily="34" charset="-122"/>
-                  </a:endParaRPr>
-                </a:p>
-              </p:txBody>
-            </p:sp>
-            <p:cxnSp>
-              <p:nvCxnSpPr>
-                <p:cNvPr id="48" name="直接连接符 47"/>
-                <p:cNvCxnSpPr/>
-                <p:nvPr/>
-              </p:nvCxnSpPr>
-              <p:spPr>
-                <a:xfrm>
-                  <a:off x="415088" y="3840424"/>
-                  <a:ext cx="6053218" cy="0"/>
-                </a:xfrm>
-                <a:prstGeom prst="line">
-                  <a:avLst/>
-                </a:prstGeom>
-              </p:spPr>
-              <p:style>
-                <a:lnRef idx="1">
-                  <a:schemeClr val="accent1"/>
-                </a:lnRef>
-                <a:fillRef idx="0">
-                  <a:schemeClr val="accent1"/>
-                </a:fillRef>
-                <a:effectRef idx="0">
-                  <a:schemeClr val="accent1"/>
-                </a:effectRef>
-                <a:fontRef idx="minor">
-                  <a:schemeClr val="tx1"/>
-                </a:fontRef>
-              </p:style>
-            </p:cxnSp>
-            <p:sp>
-              <p:nvSpPr>
-                <p:cNvPr id="49" name="文本框 48"/>
-                <p:cNvSpPr txBox="1"/>
-                <p:nvPr/>
-              </p:nvSpPr>
-              <p:spPr>
-                <a:xfrm>
-                  <a:off x="332535" y="3840424"/>
-                  <a:ext cx="6213439" cy="2052998"/>
-                </a:xfrm>
-                <a:prstGeom prst="rect">
-                  <a:avLst/>
-                </a:prstGeom>
-                <a:noFill/>
-              </p:spPr>
-              <p:txBody>
-                <a:bodyPr wrap="square" rtlCol="0">
-                  <a:spAutoFit/>
-                </a:bodyPr>
-                <a:lstStyle/>
-                <a:p>
-                  <a:pPr marL="171450" indent="-171450">
-                    <a:lnSpc>
-                      <a:spcPct val="150000"/>
-                    </a:lnSpc>
-                    <a:buFont typeface="Arial" panose="020B0604020202020204" pitchFamily="34" charset="0"/>
-                    <a:buChar char="•"/>
-                  </a:pPr>
-                  <a:r>
-                    <a:rPr lang="en-US" altLang="zh-CN" sz="900" b="1">
-                      <a:latin typeface="微软雅黑" panose="020B0503020204020204" pitchFamily="34" charset="-122"/>
-                      <a:ea typeface="微软雅黑" panose="020B0503020204020204" pitchFamily="34" charset="-122"/>
-                    </a:rPr>
-                    <a:t>Mobile Communications</a:t>
-                  </a:r>
-                  <a:endParaRPr lang="en-US" altLang="zh-CN" sz="900" b="1" dirty="0">
-                    <a:latin typeface="微软雅黑" panose="020B0503020204020204" pitchFamily="34" charset="-122"/>
-                    <a:ea typeface="微软雅黑" panose="020B0503020204020204" pitchFamily="34" charset="-122"/>
-                  </a:endParaRPr>
-                </a:p>
-                <a:p>
-                  <a:pPr>
-                    <a:lnSpc>
-                      <a:spcPct val="150000"/>
-                    </a:lnSpc>
-                  </a:pPr>
-                  <a:r>
-                    <a:rPr lang="en-US" altLang="zh-CN" sz="900" dirty="0">
-                      <a:latin typeface="微软雅黑" panose="020B0503020204020204" pitchFamily="34" charset="-122"/>
-                      <a:ea typeface="微软雅黑" panose="020B0503020204020204" pitchFamily="34" charset="-122"/>
-                    </a:rPr>
-                    <a:t>Studying under Prof</a:t>
-                  </a:r>
-                  <a:r>
-                    <a:rPr lang="en-US" altLang="zh-CN" sz="900">
-                      <a:latin typeface="微软雅黑" panose="020B0503020204020204" pitchFamily="34" charset="-122"/>
-                      <a:ea typeface="微软雅黑" panose="020B0503020204020204" pitchFamily="34" charset="-122"/>
-                    </a:rPr>
-                    <a:t>. Wenhao Wu, working in Mobile Comm, </a:t>
-                  </a:r>
-                  <a:r>
-                    <a:rPr lang="en-US" altLang="zh-CN" sz="900" dirty="0">
-                      <a:latin typeface="微软雅黑" panose="020B0503020204020204" pitchFamily="34" charset="-122"/>
-                      <a:ea typeface="微软雅黑" panose="020B0503020204020204" pitchFamily="34" charset="-122"/>
-                    </a:rPr>
-                    <a:t>and still in the process </a:t>
-                  </a:r>
-                  <a:r>
-                    <a:rPr lang="en-US" altLang="zh-CN" sz="900">
-                      <a:latin typeface="微软雅黑" panose="020B0503020204020204" pitchFamily="34" charset="-122"/>
-                      <a:ea typeface="微软雅黑" panose="020B0503020204020204" pitchFamily="34" charset="-122"/>
-                    </a:rPr>
-                    <a:t>of theoretical learning</a:t>
-                  </a:r>
-                  <a:r>
-                    <a:rPr lang="en-US" altLang="zh-CN" sz="900" dirty="0">
-                      <a:latin typeface="微软雅黑" panose="020B0503020204020204" pitchFamily="34" charset="-122"/>
-                      <a:ea typeface="微软雅黑" panose="020B0503020204020204" pitchFamily="34" charset="-122"/>
-                    </a:rPr>
-                    <a:t>.</a:t>
-                  </a:r>
-                  <a:endParaRPr lang="en-US" altLang="zh-CN" sz="900" b="1" dirty="0">
-                    <a:latin typeface="微软雅黑" panose="020B0503020204020204" pitchFamily="34" charset="-122"/>
-                    <a:ea typeface="微软雅黑" panose="020B0503020204020204" pitchFamily="34" charset="-122"/>
-                  </a:endParaRPr>
-                </a:p>
-                <a:p>
-                  <a:pPr marL="171450" indent="-171450">
-                    <a:lnSpc>
-                      <a:spcPct val="150000"/>
-                    </a:lnSpc>
-                    <a:buFont typeface="Arial" panose="020B0604020202020204" pitchFamily="34" charset="0"/>
-                    <a:buChar char="•"/>
-                  </a:pPr>
-                  <a:r>
-                    <a:rPr lang="en-US" altLang="zh-CN" sz="900" b="1">
-                      <a:latin typeface="微软雅黑" panose="020B0503020204020204" pitchFamily="34" charset="-122"/>
-                      <a:ea typeface="微软雅黑" panose="020B0503020204020204" pitchFamily="34" charset="-122"/>
-                    </a:rPr>
-                    <a:t>Network Transmission Optimization</a:t>
-                  </a:r>
-                  <a:endParaRPr lang="en-US" altLang="zh-CN" sz="900" b="1" dirty="0">
-                    <a:latin typeface="微软雅黑" panose="020B0503020204020204" pitchFamily="34" charset="-122"/>
-                    <a:ea typeface="微软雅黑" panose="020B0503020204020204" pitchFamily="34" charset="-122"/>
-                  </a:endParaRPr>
-                </a:p>
-                <a:p>
-                  <a:pPr>
-                    <a:lnSpc>
-                      <a:spcPct val="150000"/>
-                    </a:lnSpc>
-                  </a:pPr>
-                  <a:r>
-                    <a:rPr lang="en-US" altLang="zh-CN" sz="900">
-                      <a:latin typeface="微软雅黑" panose="020B0503020204020204" pitchFamily="34" charset="-122"/>
-                      <a:ea typeface="微软雅黑" panose="020B0503020204020204" pitchFamily="34" charset="-122"/>
-                    </a:rPr>
-                    <a:t>Joined the Guangzhou </a:t>
-                  </a:r>
-                  <a:r>
-                    <a:rPr lang="en-US" altLang="zh-CN" sz="900" dirty="0">
-                      <a:latin typeface="微软雅黑" panose="020B0503020204020204" pitchFamily="34" charset="-122"/>
-                      <a:ea typeface="微软雅黑" panose="020B0503020204020204" pitchFamily="34" charset="-122"/>
-                    </a:rPr>
-                    <a:t>Key Laboratory </a:t>
-                  </a:r>
-                  <a:r>
-                    <a:rPr lang="en-US" altLang="zh-CN" sz="900">
-                      <a:latin typeface="微软雅黑" panose="020B0503020204020204" pitchFamily="34" charset="-122"/>
-                      <a:ea typeface="微软雅黑" panose="020B0503020204020204" pitchFamily="34" charset="-122"/>
-                    </a:rPr>
-                    <a:t>of Advanced Networks. </a:t>
-                  </a:r>
-                  <a:r>
-                    <a:rPr lang="en-US" altLang="zh-CN" sz="900" dirty="0">
-                      <a:latin typeface="微软雅黑" panose="020B0503020204020204" pitchFamily="34" charset="-122"/>
-                      <a:ea typeface="微软雅黑" panose="020B0503020204020204" pitchFamily="34" charset="-122"/>
-                    </a:rPr>
-                    <a:t>Studying under Prof</a:t>
-                  </a:r>
-                  <a:r>
-                    <a:rPr lang="en-US" altLang="zh-CN" sz="900">
-                      <a:latin typeface="微软雅黑" panose="020B0503020204020204" pitchFamily="34" charset="-122"/>
-                      <a:ea typeface="微软雅黑" panose="020B0503020204020204" pitchFamily="34" charset="-122"/>
-                    </a:rPr>
-                    <a:t>. Xing Qian.</a:t>
-                  </a:r>
-                  <a:endParaRPr lang="en-US" altLang="zh-CN" sz="900" dirty="0">
-                    <a:latin typeface="微软雅黑" panose="020B0503020204020204" pitchFamily="34" charset="-122"/>
-                    <a:ea typeface="微软雅黑" panose="020B0503020204020204" pitchFamily="34" charset="-122"/>
-                  </a:endParaRPr>
-                </a:p>
-                <a:p>
-                  <a:pPr>
-                    <a:lnSpc>
-                      <a:spcPct val="150000"/>
-                    </a:lnSpc>
-                  </a:pPr>
-                  <a:r>
-                    <a:rPr lang="en-US" altLang="zh-CN" sz="900">
-                      <a:latin typeface="微软雅黑" panose="020B0503020204020204" pitchFamily="34" charset="-122"/>
-                      <a:ea typeface="微软雅黑" panose="020B0503020204020204" pitchFamily="34" charset="-122"/>
-                    </a:rPr>
-                    <a:t>1 paper accepted to INFOCOM 2020, 1 under review, and 1</a:t>
-                  </a:r>
-                  <a:r>
-                    <a:rPr lang="zh-CN" altLang="en-US" sz="900">
-                      <a:latin typeface="微软雅黑" panose="020B0503020204020204" pitchFamily="34" charset="-122"/>
-                      <a:ea typeface="微软雅黑" panose="020B0503020204020204" pitchFamily="34" charset="-122"/>
-                    </a:rPr>
-                    <a:t> </a:t>
-                  </a:r>
-                  <a:r>
-                    <a:rPr lang="en-US" altLang="zh-CN" sz="900">
-                      <a:latin typeface="微软雅黑" panose="020B0503020204020204" pitchFamily="34" charset="-122"/>
-                      <a:ea typeface="微软雅黑" panose="020B0503020204020204" pitchFamily="34" charset="-122"/>
-                    </a:rPr>
-                    <a:t>work</a:t>
-                  </a:r>
-                  <a:r>
-                    <a:rPr lang="zh-CN" altLang="en-US" sz="900">
-                      <a:latin typeface="微软雅黑" panose="020B0503020204020204" pitchFamily="34" charset="-122"/>
-                      <a:ea typeface="微软雅黑" panose="020B0503020204020204" pitchFamily="34" charset="-122"/>
-                    </a:rPr>
-                    <a:t> </a:t>
-                  </a:r>
-                  <a:r>
-                    <a:rPr lang="en-US" altLang="zh-CN" sz="900">
-                      <a:latin typeface="微软雅黑" panose="020B0503020204020204" pitchFamily="34" charset="-122"/>
-                      <a:ea typeface="微软雅黑" panose="020B0503020204020204" pitchFamily="34" charset="-122"/>
-                    </a:rPr>
-                    <a:t>in</a:t>
-                  </a:r>
-                  <a:r>
-                    <a:rPr lang="zh-CN" altLang="en-US" sz="900">
-                      <a:latin typeface="微软雅黑" panose="020B0503020204020204" pitchFamily="34" charset="-122"/>
-                      <a:ea typeface="微软雅黑" panose="020B0503020204020204" pitchFamily="34" charset="-122"/>
-                    </a:rPr>
-                    <a:t> </a:t>
-                  </a:r>
-                  <a:r>
-                    <a:rPr lang="en-US" altLang="zh-CN" sz="900">
-                      <a:latin typeface="微软雅黑" panose="020B0503020204020204" pitchFamily="34" charset="-122"/>
-                      <a:ea typeface="微软雅黑" panose="020B0503020204020204" pitchFamily="34" charset="-122"/>
-                    </a:rPr>
-                    <a:t>progress</a:t>
-                  </a:r>
-                  <a:r>
-                    <a:rPr lang="en-US" altLang="zh-CN" sz="900" dirty="0">
-                      <a:latin typeface="微软雅黑" panose="020B0503020204020204" pitchFamily="34" charset="-122"/>
-                      <a:ea typeface="微软雅黑" panose="020B0503020204020204" pitchFamily="34" charset="-122"/>
-                    </a:rPr>
-                    <a:t>.</a:t>
-                  </a:r>
-                  <a:endParaRPr lang="en-US" altLang="zh-CN" sz="900" dirty="0">
-                    <a:latin typeface="微软雅黑" panose="020B0503020204020204" pitchFamily="34" charset="-122"/>
-                    <a:ea typeface="微软雅黑" panose="020B0503020204020204" pitchFamily="34" charset="-122"/>
-                  </a:endParaRPr>
-                </a:p>
-                <a:p>
-                  <a:pPr marL="171450" indent="-171450">
-                    <a:lnSpc>
-                      <a:spcPct val="150000"/>
-                    </a:lnSpc>
-                    <a:buFontTx/>
-                    <a:buChar char="-"/>
-                  </a:pPr>
-                  <a:r>
-                    <a:rPr lang="en-US" altLang="zh-CN" sz="800" b="1">
-                      <a:latin typeface="微软雅黑" panose="020B0503020204020204" pitchFamily="34" charset="-122"/>
-                      <a:ea typeface="微软雅黑" panose="020B0503020204020204" pitchFamily="34" charset="-122"/>
-                    </a:rPr>
-                    <a:t>Tiangou Zhang</a:t>
-                  </a:r>
-                  <a:r>
-                    <a:rPr lang="en-US" altLang="zh-CN" sz="800">
-                      <a:latin typeface="微软雅黑" panose="020B0503020204020204" pitchFamily="34" charset="-122"/>
-                      <a:ea typeface="微软雅黑" panose="020B0503020204020204" pitchFamily="34" charset="-122"/>
-                    </a:rPr>
-                    <a:t>, Si</a:t>
-                  </a:r>
-                  <a:r>
-                    <a:rPr lang="zh-CN" altLang="en-US" sz="800">
-                      <a:latin typeface="微软雅黑" panose="020B0503020204020204" pitchFamily="34" charset="-122"/>
-                      <a:ea typeface="微软雅黑" panose="020B0503020204020204" pitchFamily="34" charset="-122"/>
-                    </a:rPr>
-                    <a:t> </a:t>
-                  </a:r>
-                  <a:r>
-                    <a:rPr lang="en-US" altLang="zh-CN" sz="800">
-                      <a:latin typeface="微软雅黑" panose="020B0503020204020204" pitchFamily="34" charset="-122"/>
-                      <a:ea typeface="微软雅黑" panose="020B0503020204020204" pitchFamily="34" charset="-122"/>
-                    </a:rPr>
-                    <a:t>Li, et al, TINA: A Fair Inter-datacenter Transmission Mechanism with Deadline Guarantee, INFOCOM 2020, CCF A</a:t>
-                  </a:r>
-                  <a:endParaRPr lang="en-US" altLang="zh-CN" sz="800">
-                    <a:latin typeface="微软雅黑" panose="020B0503020204020204" pitchFamily="34" charset="-122"/>
-                    <a:ea typeface="微软雅黑" panose="020B0503020204020204" pitchFamily="34" charset="-122"/>
-                  </a:endParaRPr>
-                </a:p>
-                <a:p>
-                  <a:pPr marL="171450" indent="-171450">
-                    <a:lnSpc>
-                      <a:spcPct val="150000"/>
-                    </a:lnSpc>
-                    <a:buFontTx/>
-                    <a:buChar char="-"/>
-                  </a:pPr>
-                  <a:r>
-                    <a:rPr lang="en-US" altLang="zh-CN" sz="800">
-                      <a:solidFill>
-                        <a:schemeClr val="tx1">
-                          <a:lumMod val="50000"/>
-                          <a:lumOff val="50000"/>
-                        </a:schemeClr>
-                      </a:solidFill>
-                      <a:latin typeface="微软雅黑" panose="020B0503020204020204" pitchFamily="34" charset="-122"/>
-                      <a:ea typeface="微软雅黑" panose="020B0503020204020204" pitchFamily="34" charset="-122"/>
-                    </a:rPr>
-                    <a:t>[Under Review] </a:t>
-                  </a:r>
-                  <a:r>
-                    <a:rPr lang="en-US" altLang="zh-CN" sz="800" b="1">
-                      <a:solidFill>
-                        <a:schemeClr val="tx1">
-                          <a:lumMod val="50000"/>
-                          <a:lumOff val="50000"/>
-                        </a:schemeClr>
-                      </a:solidFill>
-                      <a:latin typeface="微软雅黑" panose="020B0503020204020204" pitchFamily="34" charset="-122"/>
-                      <a:ea typeface="微软雅黑" panose="020B0503020204020204" pitchFamily="34" charset="-122"/>
-                    </a:rPr>
-                    <a:t>Tiangou Zhang</a:t>
-                  </a:r>
-                  <a:r>
-                    <a:rPr lang="en-US" altLang="zh-CN" sz="800">
-                      <a:solidFill>
-                        <a:schemeClr val="tx1">
-                          <a:lumMod val="50000"/>
-                          <a:lumOff val="50000"/>
-                        </a:schemeClr>
-                      </a:solidFill>
-                      <a:latin typeface="微软雅黑" panose="020B0503020204020204" pitchFamily="34" charset="-122"/>
-                      <a:ea typeface="微软雅黑" panose="020B0503020204020204" pitchFamily="34" charset="-122"/>
-                    </a:rPr>
-                    <a:t>,</a:t>
-                  </a:r>
-                  <a:r>
-                    <a:rPr lang="zh-CN" altLang="en-US" sz="800">
-                      <a:solidFill>
-                        <a:schemeClr val="tx1">
-                          <a:lumMod val="50000"/>
-                          <a:lumOff val="50000"/>
-                        </a:schemeClr>
-                      </a:solidFill>
-                      <a:latin typeface="微软雅黑" panose="020B0503020204020204" pitchFamily="34" charset="-122"/>
-                      <a:ea typeface="微软雅黑" panose="020B0503020204020204" pitchFamily="34" charset="-122"/>
-                    </a:rPr>
-                    <a:t> </a:t>
-                  </a:r>
-                  <a:r>
-                    <a:rPr lang="en-US" altLang="zh-CN" sz="800">
-                      <a:solidFill>
-                        <a:schemeClr val="tx1">
-                          <a:lumMod val="50000"/>
-                          <a:lumOff val="50000"/>
-                        </a:schemeClr>
-                      </a:solidFill>
-                      <a:latin typeface="微软雅黑" panose="020B0503020204020204" pitchFamily="34" charset="-122"/>
-                      <a:ea typeface="微软雅黑" panose="020B0503020204020204" pitchFamily="34" charset="-122"/>
-                    </a:rPr>
-                    <a:t>Si</a:t>
-                  </a:r>
-                  <a:r>
-                    <a:rPr lang="zh-CN" altLang="en-US" sz="800">
-                      <a:solidFill>
-                        <a:schemeClr val="tx1">
-                          <a:lumMod val="50000"/>
-                          <a:lumOff val="50000"/>
-                        </a:schemeClr>
-                      </a:solidFill>
-                      <a:latin typeface="微软雅黑" panose="020B0503020204020204" pitchFamily="34" charset="-122"/>
-                      <a:ea typeface="微软雅黑" panose="020B0503020204020204" pitchFamily="34" charset="-122"/>
-                    </a:rPr>
-                    <a:t> </a:t>
-                  </a:r>
-                  <a:r>
-                    <a:rPr lang="en-US" altLang="zh-CN" sz="800">
-                      <a:solidFill>
-                        <a:schemeClr val="tx1">
-                          <a:lumMod val="50000"/>
-                          <a:lumOff val="50000"/>
-                        </a:schemeClr>
-                      </a:solidFill>
-                      <a:latin typeface="微软雅黑" panose="020B0503020204020204" pitchFamily="34" charset="-122"/>
-                      <a:ea typeface="微软雅黑" panose="020B0503020204020204" pitchFamily="34" charset="-122"/>
-                    </a:rPr>
-                    <a:t>Li, et al, Efficient Coflow Transmission for Distributed Stream Processing</a:t>
-                  </a:r>
-                  <a:endParaRPr lang="en-US" altLang="zh-CN" sz="800">
-                    <a:solidFill>
-                      <a:schemeClr val="tx1">
-                        <a:lumMod val="50000"/>
-                        <a:lumOff val="50000"/>
-                      </a:schemeClr>
-                    </a:solidFill>
-                    <a:latin typeface="微软雅黑" panose="020B0503020204020204" pitchFamily="34" charset="-122"/>
-                    <a:ea typeface="微软雅黑" panose="020B0503020204020204" pitchFamily="34" charset="-122"/>
-                  </a:endParaRPr>
-                </a:p>
-                <a:p>
-                  <a:pPr marL="171450" indent="-171450">
-                    <a:lnSpc>
-                      <a:spcPct val="150000"/>
-                    </a:lnSpc>
-                    <a:buFontTx/>
-                    <a:buChar char="-"/>
-                  </a:pPr>
-                  <a:r>
-                    <a:rPr lang="en-US" altLang="zh-CN" sz="800">
-                      <a:solidFill>
-                        <a:schemeClr val="tx1">
-                          <a:lumMod val="50000"/>
-                          <a:lumOff val="50000"/>
-                        </a:schemeClr>
-                      </a:solidFill>
-                      <a:latin typeface="微软雅黑" panose="020B0503020204020204" pitchFamily="34" charset="-122"/>
-                      <a:ea typeface="微软雅黑" panose="020B0503020204020204" pitchFamily="34" charset="-122"/>
-                    </a:rPr>
-                    <a:t>[Work</a:t>
-                  </a:r>
-                  <a:r>
-                    <a:rPr lang="zh-CN" altLang="en-US" sz="800">
-                      <a:solidFill>
-                        <a:schemeClr val="tx1">
-                          <a:lumMod val="50000"/>
-                          <a:lumOff val="50000"/>
-                        </a:schemeClr>
-                      </a:solidFill>
-                      <a:latin typeface="微软雅黑" panose="020B0503020204020204" pitchFamily="34" charset="-122"/>
-                      <a:ea typeface="微软雅黑" panose="020B0503020204020204" pitchFamily="34" charset="-122"/>
-                    </a:rPr>
-                    <a:t> </a:t>
-                  </a:r>
-                  <a:r>
-                    <a:rPr lang="en-US" altLang="zh-CN" sz="800">
-                      <a:solidFill>
-                        <a:schemeClr val="tx1">
-                          <a:lumMod val="50000"/>
-                          <a:lumOff val="50000"/>
-                        </a:schemeClr>
-                      </a:solidFill>
-                      <a:latin typeface="微软雅黑" panose="020B0503020204020204" pitchFamily="34" charset="-122"/>
-                      <a:ea typeface="微软雅黑" panose="020B0503020204020204" pitchFamily="34" charset="-122"/>
-                    </a:rPr>
-                    <a:t>in</a:t>
-                  </a:r>
-                  <a:r>
-                    <a:rPr lang="zh-CN" altLang="en-US" sz="800">
-                      <a:solidFill>
-                        <a:schemeClr val="tx1">
-                          <a:lumMod val="50000"/>
-                          <a:lumOff val="50000"/>
-                        </a:schemeClr>
-                      </a:solidFill>
-                      <a:latin typeface="微软雅黑" panose="020B0503020204020204" pitchFamily="34" charset="-122"/>
-                      <a:ea typeface="微软雅黑" panose="020B0503020204020204" pitchFamily="34" charset="-122"/>
-                    </a:rPr>
-                    <a:t> </a:t>
-                  </a:r>
-                  <a:r>
-                    <a:rPr lang="en-US" altLang="zh-CN" sz="800">
-                      <a:solidFill>
-                        <a:schemeClr val="tx1">
-                          <a:lumMod val="50000"/>
-                          <a:lumOff val="50000"/>
-                        </a:schemeClr>
-                      </a:solidFill>
-                      <a:latin typeface="微软雅黑" panose="020B0503020204020204" pitchFamily="34" charset="-122"/>
-                      <a:ea typeface="微软雅黑" panose="020B0503020204020204" pitchFamily="34" charset="-122"/>
-                    </a:rPr>
-                    <a:t>Progress] </a:t>
-                  </a:r>
-                  <a:r>
-                    <a:rPr lang="en-US" altLang="zh-CN" sz="800" b="1">
-                      <a:solidFill>
-                        <a:schemeClr val="tx1">
-                          <a:lumMod val="50000"/>
-                          <a:lumOff val="50000"/>
-                        </a:schemeClr>
-                      </a:solidFill>
-                      <a:latin typeface="微软雅黑" panose="020B0503020204020204" pitchFamily="34" charset="-122"/>
-                      <a:ea typeface="微软雅黑" panose="020B0503020204020204" pitchFamily="34" charset="-122"/>
-                    </a:rPr>
-                    <a:t>Tiangou Zhang</a:t>
-                  </a:r>
-                  <a:r>
-                    <a:rPr lang="en-US" altLang="zh-CN" sz="800">
-                      <a:solidFill>
-                        <a:schemeClr val="tx1">
-                          <a:lumMod val="50000"/>
-                          <a:lumOff val="50000"/>
-                        </a:schemeClr>
-                      </a:solidFill>
-                      <a:latin typeface="微软雅黑" panose="020B0503020204020204" pitchFamily="34" charset="-122"/>
-                      <a:ea typeface="微软雅黑" panose="020B0503020204020204" pitchFamily="34" charset="-122"/>
-                    </a:rPr>
-                    <a:t>,</a:t>
-                  </a:r>
-                  <a:r>
-                    <a:rPr lang="zh-CN" altLang="en-US" sz="800">
-                      <a:solidFill>
-                        <a:schemeClr val="tx1">
-                          <a:lumMod val="50000"/>
-                          <a:lumOff val="50000"/>
-                        </a:schemeClr>
-                      </a:solidFill>
-                      <a:latin typeface="微软雅黑" panose="020B0503020204020204" pitchFamily="34" charset="-122"/>
-                      <a:ea typeface="微软雅黑" panose="020B0503020204020204" pitchFamily="34" charset="-122"/>
-                    </a:rPr>
-                    <a:t> </a:t>
-                  </a:r>
-                  <a:r>
-                    <a:rPr lang="en-US" altLang="zh-CN" sz="800">
-                      <a:solidFill>
-                        <a:schemeClr val="tx1">
-                          <a:lumMod val="50000"/>
-                          <a:lumOff val="50000"/>
-                        </a:schemeClr>
-                      </a:solidFill>
-                      <a:latin typeface="微软雅黑" panose="020B0503020204020204" pitchFamily="34" charset="-122"/>
-                      <a:ea typeface="微软雅黑" panose="020B0503020204020204" pitchFamily="34" charset="-122"/>
-                    </a:rPr>
-                    <a:t>Si</a:t>
-                  </a:r>
-                  <a:r>
-                    <a:rPr lang="zh-CN" altLang="en-US" sz="800">
-                      <a:solidFill>
-                        <a:schemeClr val="tx1">
-                          <a:lumMod val="50000"/>
-                          <a:lumOff val="50000"/>
-                        </a:schemeClr>
-                      </a:solidFill>
-                      <a:latin typeface="微软雅黑" panose="020B0503020204020204" pitchFamily="34" charset="-122"/>
-                      <a:ea typeface="微软雅黑" panose="020B0503020204020204" pitchFamily="34" charset="-122"/>
-                    </a:rPr>
-                    <a:t> </a:t>
-                  </a:r>
-                  <a:r>
-                    <a:rPr lang="en-US" altLang="zh-CN" sz="800">
-                      <a:solidFill>
-                        <a:schemeClr val="tx1">
-                          <a:lumMod val="50000"/>
-                          <a:lumOff val="50000"/>
-                        </a:schemeClr>
-                      </a:solidFill>
-                      <a:latin typeface="微软雅黑" panose="020B0503020204020204" pitchFamily="34" charset="-122"/>
-                      <a:ea typeface="微软雅黑" panose="020B0503020204020204" pitchFamily="34" charset="-122"/>
-                    </a:rPr>
-                    <a:t>Li, et al, Deeper Exercise Monitoring for Smart Gym using Fused RFID</a:t>
-                  </a:r>
-                  <a:endParaRPr lang="en-US" altLang="zh-CN" sz="800">
-                    <a:solidFill>
-                      <a:schemeClr val="tx1">
-                        <a:lumMod val="50000"/>
-                        <a:lumOff val="50000"/>
-                      </a:schemeClr>
-                    </a:solidFill>
-                    <a:latin typeface="微软雅黑" panose="020B0503020204020204" pitchFamily="34" charset="-122"/>
-                    <a:ea typeface="微软雅黑" panose="020B0503020204020204" pitchFamily="34" charset="-122"/>
-                  </a:endParaRPr>
-                </a:p>
-                <a:p>
-                  <a:pPr marL="171450" indent="-171450">
-                    <a:lnSpc>
-                      <a:spcPct val="150000"/>
-                    </a:lnSpc>
-                    <a:buFont typeface="Arial" panose="020B0604020202020204" pitchFamily="34" charset="0"/>
-                    <a:buChar char="•"/>
-                  </a:pPr>
-                  <a:r>
-                    <a:rPr lang="en-US" altLang="zh-CN" sz="900" b="1">
-                      <a:latin typeface="微软雅黑" panose="020B0503020204020204" pitchFamily="34" charset="-122"/>
-                      <a:ea typeface="微软雅黑" panose="020B0503020204020204" pitchFamily="34" charset="-122"/>
-                    </a:rPr>
-                    <a:t>Unconventional superconductivity in magic-angle graphene superlattices</a:t>
-                  </a:r>
-                  <a:endParaRPr lang="en-US" altLang="zh-CN" sz="900" b="1" dirty="0">
-                    <a:latin typeface="微软雅黑" panose="020B0503020204020204" pitchFamily="34" charset="-122"/>
-                    <a:ea typeface="微软雅黑" panose="020B0503020204020204" pitchFamily="34" charset="-122"/>
-                  </a:endParaRPr>
-                </a:p>
-              </p:txBody>
-            </p:sp>
-          </p:grpSp>
-          <p:sp>
-            <p:nvSpPr>
-              <p:cNvPr id="45" name="文本框 44"/>
-              <p:cNvSpPr txBox="1"/>
-              <p:nvPr/>
-            </p:nvSpPr>
-            <p:spPr>
-              <a:xfrm>
-                <a:off x="-1681226" y="4917869"/>
-                <a:ext cx="1198880" cy="230832"/>
-              </a:xfrm>
-              <a:prstGeom prst="rect">
-                <a:avLst/>
-              </a:prstGeom>
-              <a:noFill/>
-            </p:spPr>
-            <p:txBody>
-              <a:bodyPr wrap="square">
-                <a:spAutoFit/>
-              </a:bodyPr>
-              <a:lstStyle/>
-              <a:p>
-                <a:pPr algn="r"/>
-                <a:r>
-                  <a:rPr lang="en-US" altLang="zh-CN" sz="900" b="1">
-                    <a:latin typeface="微软雅黑" panose="020B0503020204020204" pitchFamily="34" charset="-122"/>
-                    <a:ea typeface="微软雅黑" panose="020B0503020204020204" pitchFamily="34" charset="-122"/>
-                  </a:rPr>
-                  <a:t>10/2019-02/2021</a:t>
-                </a:r>
-                <a:endParaRPr lang="zh-CN" altLang="en-US" sz="900" b="1">
-                  <a:latin typeface="微软雅黑" panose="020B0503020204020204" pitchFamily="34" charset="-122"/>
-                  <a:ea typeface="微软雅黑" panose="020B0503020204020204" pitchFamily="34" charset="-122"/>
-                </a:endParaRPr>
-              </a:p>
-            </p:txBody>
-          </p:sp>
-          <p:sp>
-            <p:nvSpPr>
-              <p:cNvPr id="46" name="文本框 45"/>
-              <p:cNvSpPr txBox="1"/>
-              <p:nvPr/>
-            </p:nvSpPr>
-            <p:spPr>
-              <a:xfrm>
-                <a:off x="-1674278" y="4507876"/>
-                <a:ext cx="1198880" cy="230832"/>
-              </a:xfrm>
-              <a:prstGeom prst="rect">
-                <a:avLst/>
-              </a:prstGeom>
-              <a:noFill/>
-            </p:spPr>
-            <p:txBody>
-              <a:bodyPr wrap="square">
-                <a:spAutoFit/>
-              </a:bodyPr>
-              <a:lstStyle/>
-              <a:p>
-                <a:pPr algn="r"/>
-                <a:r>
-                  <a:rPr lang="en-US" altLang="zh-CN" sz="900" b="1">
-                    <a:latin typeface="微软雅黑" panose="020B0503020204020204" pitchFamily="34" charset="-122"/>
-                    <a:ea typeface="微软雅黑" panose="020B0503020204020204" pitchFamily="34" charset="-122"/>
-                  </a:rPr>
-                  <a:t>02/2021-now</a:t>
-                </a:r>
-                <a:endParaRPr lang="zh-CN" altLang="en-US" sz="900" b="1">
-                  <a:latin typeface="微软雅黑" panose="020B0503020204020204" pitchFamily="34" charset="-122"/>
-                  <a:ea typeface="微软雅黑" panose="020B0503020204020204" pitchFamily="34" charset="-122"/>
-                </a:endParaRPr>
-              </a:p>
-            </p:txBody>
-          </p:sp>
-        </p:grpSp>
-        <p:sp>
-          <p:nvSpPr>
-            <p:cNvPr id="50" name="文本框 49"/>
-            <p:cNvSpPr txBox="1"/>
-            <p:nvPr/>
-          </p:nvSpPr>
-          <p:spPr>
-            <a:xfrm>
-              <a:off x="5259166" y="5385880"/>
-              <a:ext cx="1198880" cy="230832"/>
-            </a:xfrm>
-            <a:prstGeom prst="rect">
-              <a:avLst/>
-            </a:prstGeom>
-            <a:noFill/>
-          </p:spPr>
-          <p:txBody>
-            <a:bodyPr wrap="square">
-              <a:spAutoFit/>
-            </a:bodyPr>
-            <a:lstStyle/>
-            <a:p>
-              <a:pPr algn="r"/>
-              <a:r>
-                <a:rPr lang="en-US" altLang="zh-CN" sz="900" b="1">
-                  <a:latin typeface="微软雅黑" panose="020B0503020204020204" pitchFamily="34" charset="-122"/>
-                  <a:ea typeface="微软雅黑" panose="020B0503020204020204" pitchFamily="34" charset="-122"/>
-                </a:rPr>
-                <a:t>12/2019-09/2020</a:t>
-              </a:r>
-              <a:endParaRPr lang="zh-CN" altLang="en-US" sz="900" b="1">
-                <a:latin typeface="微软雅黑" panose="020B0503020204020204" pitchFamily="34" charset="-122"/>
-                <a:ea typeface="微软雅黑" panose="020B0503020204020204" pitchFamily="34" charset="-122"/>
-              </a:endParaRPr>
-            </a:p>
-          </p:txBody>
-        </p:sp>
-      </p:grpSp>
+          <a:prstGeom prst="ellipse">
+            <a:avLst/>
+          </a:prstGeom>
+        </p:spPr>
+      </p:pic>
     </p:spTree>
   </p:cSld>
   <p:clrMapOvr>
